--- a/Presentations/Sprint01_ReviewMeeting_updated.pptx
+++ b/Presentations/Sprint01_ReviewMeeting_updated.pptx
@@ -8051,7 +8051,7 @@
           <p:cNvPr id="2" name="Title 1">
             <a:extLst>
               <a:ext uri="{FF2B5EF4-FFF2-40B4-BE49-F238E27FC236}">
-                <a16:creationId xmlns="" xmlns:a16="http://schemas.microsoft.com/office/drawing/2014/main" id="{13E98B89-0AC8-4AF8-8E51-2CB8CB9E04D8}"/>
+                <a16:creationId xmlns:a16="http://schemas.microsoft.com/office/drawing/2014/main" xmlns="" id="{13E98B89-0AC8-4AF8-8E51-2CB8CB9E04D8}"/>
               </a:ext>
             </a:extLst>
           </p:cNvPr>
@@ -8079,7 +8079,7 @@
           <p:cNvPr id="3" name="Subtitle 2">
             <a:extLst>
               <a:ext uri="{FF2B5EF4-FFF2-40B4-BE49-F238E27FC236}">
-                <a16:creationId xmlns="" xmlns:a16="http://schemas.microsoft.com/office/drawing/2014/main" id="{9FD722E2-C498-4E60-B7CA-E3B851CB0315}"/>
+                <a16:creationId xmlns:a16="http://schemas.microsoft.com/office/drawing/2014/main" xmlns="" id="{9FD722E2-C498-4E60-B7CA-E3B851CB0315}"/>
               </a:ext>
             </a:extLst>
           </p:cNvPr>
@@ -8104,7 +8104,7 @@
           <p:cNvPr id="4" name="Slide Number Placeholder 3">
             <a:extLst>
               <a:ext uri="{FF2B5EF4-FFF2-40B4-BE49-F238E27FC236}">
-                <a16:creationId xmlns="" xmlns:a16="http://schemas.microsoft.com/office/drawing/2014/main" id="{B56306B9-7F0A-418D-8206-B5F8585FB3ED}"/>
+                <a16:creationId xmlns:a16="http://schemas.microsoft.com/office/drawing/2014/main" xmlns="" id="{B56306B9-7F0A-418D-8206-B5F8585FB3ED}"/>
               </a:ext>
             </a:extLst>
           </p:cNvPr>
@@ -8164,7 +8164,7 @@
           <p:cNvPr id="2" name="Title 1">
             <a:extLst>
               <a:ext uri="{FF2B5EF4-FFF2-40B4-BE49-F238E27FC236}">
-                <a16:creationId xmlns="" xmlns:a16="http://schemas.microsoft.com/office/drawing/2014/main" id="{499DD049-749B-4076-B464-014F8ADDE19C}"/>
+                <a16:creationId xmlns:a16="http://schemas.microsoft.com/office/drawing/2014/main" xmlns="" id="{499DD049-749B-4076-B464-014F8ADDE19C}"/>
               </a:ext>
             </a:extLst>
           </p:cNvPr>
@@ -8193,7 +8193,7 @@
           <p:cNvPr id="3" name="Content Placeholder 2">
             <a:extLst>
               <a:ext uri="{FF2B5EF4-FFF2-40B4-BE49-F238E27FC236}">
-                <a16:creationId xmlns="" xmlns:a16="http://schemas.microsoft.com/office/drawing/2014/main" id="{01E73AF8-E079-4E3C-B6BD-0E836196367F}"/>
+                <a16:creationId xmlns:a16="http://schemas.microsoft.com/office/drawing/2014/main" xmlns="" id="{01E73AF8-E079-4E3C-B6BD-0E836196367F}"/>
               </a:ext>
             </a:extLst>
           </p:cNvPr>
@@ -8244,7 +8244,7 @@
           <p:cNvPr id="4" name="Slide Number Placeholder 3">
             <a:extLst>
               <a:ext uri="{FF2B5EF4-FFF2-40B4-BE49-F238E27FC236}">
-                <a16:creationId xmlns="" xmlns:a16="http://schemas.microsoft.com/office/drawing/2014/main" id="{F641D3F2-75C5-40F6-80C4-E394B00EBE2F}"/>
+                <a16:creationId xmlns:a16="http://schemas.microsoft.com/office/drawing/2014/main" xmlns="" id="{F641D3F2-75C5-40F6-80C4-E394B00EBE2F}"/>
               </a:ext>
             </a:extLst>
           </p:cNvPr>
@@ -8304,7 +8304,7 @@
           <p:cNvPr id="2" name="Title 1">
             <a:extLst>
               <a:ext uri="{FF2B5EF4-FFF2-40B4-BE49-F238E27FC236}">
-                <a16:creationId xmlns="" xmlns:a16="http://schemas.microsoft.com/office/drawing/2014/main" id="{E7B8949F-0B31-4A8B-88CD-BCF7FDCCDC8C}"/>
+                <a16:creationId xmlns:a16="http://schemas.microsoft.com/office/drawing/2014/main" xmlns="" id="{E7B8949F-0B31-4A8B-88CD-BCF7FDCCDC8C}"/>
               </a:ext>
             </a:extLst>
           </p:cNvPr>
@@ -8332,7 +8332,7 @@
           <p:cNvPr id="3" name="Content Placeholder 2">
             <a:extLst>
               <a:ext uri="{FF2B5EF4-FFF2-40B4-BE49-F238E27FC236}">
-                <a16:creationId xmlns="" xmlns:a16="http://schemas.microsoft.com/office/drawing/2014/main" id="{5018D8C8-31EA-4094-A891-253AAD5D26D8}"/>
+                <a16:creationId xmlns:a16="http://schemas.microsoft.com/office/drawing/2014/main" xmlns="" id="{5018D8C8-31EA-4094-A891-253AAD5D26D8}"/>
               </a:ext>
             </a:extLst>
           </p:cNvPr>
@@ -8357,7 +8357,7 @@
           <p:cNvPr id="4" name="Slide Number Placeholder 3">
             <a:extLst>
               <a:ext uri="{FF2B5EF4-FFF2-40B4-BE49-F238E27FC236}">
-                <a16:creationId xmlns="" xmlns:a16="http://schemas.microsoft.com/office/drawing/2014/main" id="{7DEE7B36-887B-4747-AD42-46A4BE37CE1D}"/>
+                <a16:creationId xmlns:a16="http://schemas.microsoft.com/office/drawing/2014/main" xmlns="" id="{7DEE7B36-887B-4747-AD42-46A4BE37CE1D}"/>
               </a:ext>
             </a:extLst>
           </p:cNvPr>
@@ -8417,7 +8417,7 @@
           <p:cNvPr id="2" name="Title 1">
             <a:extLst>
               <a:ext uri="{FF2B5EF4-FFF2-40B4-BE49-F238E27FC236}">
-                <a16:creationId xmlns="" xmlns:a16="http://schemas.microsoft.com/office/drawing/2014/main" id="{CF6EE8FB-D3EC-4DF0-BE35-2EAA1E9F1208}"/>
+                <a16:creationId xmlns:a16="http://schemas.microsoft.com/office/drawing/2014/main" xmlns="" id="{CF6EE8FB-D3EC-4DF0-BE35-2EAA1E9F1208}"/>
               </a:ext>
             </a:extLst>
           </p:cNvPr>
@@ -8445,7 +8445,7 @@
           <p:cNvPr id="3" name="Content Placeholder 2">
             <a:extLst>
               <a:ext uri="{FF2B5EF4-FFF2-40B4-BE49-F238E27FC236}">
-                <a16:creationId xmlns="" xmlns:a16="http://schemas.microsoft.com/office/drawing/2014/main" id="{65B46963-A67E-46F8-8ACF-E50284148EC5}"/>
+                <a16:creationId xmlns:a16="http://schemas.microsoft.com/office/drawing/2014/main" xmlns="" id="{65B46963-A67E-46F8-8ACF-E50284148EC5}"/>
               </a:ext>
             </a:extLst>
           </p:cNvPr>
@@ -8470,7 +8470,7 @@
           <p:cNvPr id="4" name="Slide Number Placeholder 3">
             <a:extLst>
               <a:ext uri="{FF2B5EF4-FFF2-40B4-BE49-F238E27FC236}">
-                <a16:creationId xmlns="" xmlns:a16="http://schemas.microsoft.com/office/drawing/2014/main" id="{4FAAFCB4-B201-4C0B-A29A-0D298A2342C1}"/>
+                <a16:creationId xmlns:a16="http://schemas.microsoft.com/office/drawing/2014/main" xmlns="" id="{4FAAFCB4-B201-4C0B-A29A-0D298A2342C1}"/>
               </a:ext>
             </a:extLst>
           </p:cNvPr>
@@ -8530,7 +8530,7 @@
           <p:cNvPr id="2" name="Title 1">
             <a:extLst>
               <a:ext uri="{FF2B5EF4-FFF2-40B4-BE49-F238E27FC236}">
-                <a16:creationId xmlns="" xmlns:a16="http://schemas.microsoft.com/office/drawing/2014/main" id="{E2708479-A9AB-4BF8-A44B-937AE89AEBFF}"/>
+                <a16:creationId xmlns:a16="http://schemas.microsoft.com/office/drawing/2014/main" xmlns="" id="{E2708479-A9AB-4BF8-A44B-937AE89AEBFF}"/>
               </a:ext>
             </a:extLst>
           </p:cNvPr>
@@ -8558,7 +8558,7 @@
           <p:cNvPr id="3" name="Content Placeholder 2">
             <a:extLst>
               <a:ext uri="{FF2B5EF4-FFF2-40B4-BE49-F238E27FC236}">
-                <a16:creationId xmlns="" xmlns:a16="http://schemas.microsoft.com/office/drawing/2014/main" id="{9B55791B-E2AF-4809-A81A-750947D90409}"/>
+                <a16:creationId xmlns:a16="http://schemas.microsoft.com/office/drawing/2014/main" xmlns="" id="{9B55791B-E2AF-4809-A81A-750947D90409}"/>
               </a:ext>
             </a:extLst>
           </p:cNvPr>
@@ -8600,7 +8600,23 @@
           <a:p>
             <a:r>
               <a:rPr lang="en-US" dirty="0" smtClean="0"/>
-              <a:t>Removing areas that aren’t justified by a user story</a:t>
+              <a:t>Removed </a:t>
+            </a:r>
+            <a:r>
+              <a:rPr lang="en-US" dirty="0" smtClean="0"/>
+              <a:t>areas that </a:t>
+            </a:r>
+            <a:r>
+              <a:rPr lang="en-US" dirty="0" smtClean="0"/>
+              <a:t>weren</a:t>
+            </a:r>
+            <a:r>
+              <a:rPr lang="en-US" dirty="0" smtClean="0"/>
+              <a:t>’t </a:t>
+            </a:r>
+            <a:r>
+              <a:rPr lang="en-US" dirty="0" smtClean="0"/>
+              <a:t>justified by a user story</a:t>
             </a:r>
           </a:p>
           <a:p>
@@ -8613,7 +8629,7 @@
           <p:cNvPr id="4" name="Slide Number Placeholder 3">
             <a:extLst>
               <a:ext uri="{FF2B5EF4-FFF2-40B4-BE49-F238E27FC236}">
-                <a16:creationId xmlns="" xmlns:a16="http://schemas.microsoft.com/office/drawing/2014/main" id="{25F31333-FA60-4DDE-860A-723484BDC712}"/>
+                <a16:creationId xmlns:a16="http://schemas.microsoft.com/office/drawing/2014/main" xmlns="" id="{25F31333-FA60-4DDE-860A-723484BDC712}"/>
               </a:ext>
             </a:extLst>
           </p:cNvPr>
@@ -8781,7 +8797,7 @@
           <p:cNvPr id="2" name="Title 1">
             <a:extLst>
               <a:ext uri="{FF2B5EF4-FFF2-40B4-BE49-F238E27FC236}">
-                <a16:creationId xmlns="" xmlns:a16="http://schemas.microsoft.com/office/drawing/2014/main" id="{D96EBD93-1E0F-4715-BA1C-4AB9A43FEEDE}"/>
+                <a16:creationId xmlns:a16="http://schemas.microsoft.com/office/drawing/2014/main" xmlns="" id="{D96EBD93-1E0F-4715-BA1C-4AB9A43FEEDE}"/>
               </a:ext>
             </a:extLst>
           </p:cNvPr>
@@ -8809,7 +8825,7 @@
           <p:cNvPr id="3" name="Content Placeholder 2">
             <a:extLst>
               <a:ext uri="{FF2B5EF4-FFF2-40B4-BE49-F238E27FC236}">
-                <a16:creationId xmlns="" xmlns:a16="http://schemas.microsoft.com/office/drawing/2014/main" id="{1DAF5560-583E-4CB6-A740-F6B3808FA9A7}"/>
+                <a16:creationId xmlns:a16="http://schemas.microsoft.com/office/drawing/2014/main" xmlns="" id="{1DAF5560-583E-4CB6-A740-F6B3808FA9A7}"/>
               </a:ext>
             </a:extLst>
           </p:cNvPr>
@@ -8834,7 +8850,7 @@
           <p:cNvPr id="4" name="Slide Number Placeholder 3">
             <a:extLst>
               <a:ext uri="{FF2B5EF4-FFF2-40B4-BE49-F238E27FC236}">
-                <a16:creationId xmlns="" xmlns:a16="http://schemas.microsoft.com/office/drawing/2014/main" id="{F2E49AE3-63D3-4DD3-818F-6E7B5C470582}"/>
+                <a16:creationId xmlns:a16="http://schemas.microsoft.com/office/drawing/2014/main" xmlns="" id="{F2E49AE3-63D3-4DD3-818F-6E7B5C470582}"/>
               </a:ext>
             </a:extLst>
           </p:cNvPr>
@@ -8894,7 +8910,7 @@
           <p:cNvPr id="2" name="Title 1">
             <a:extLst>
               <a:ext uri="{FF2B5EF4-FFF2-40B4-BE49-F238E27FC236}">
-                <a16:creationId xmlns="" xmlns:a16="http://schemas.microsoft.com/office/drawing/2014/main" id="{83DFF23D-959A-44BC-BE78-1D0330CDF164}"/>
+                <a16:creationId xmlns:a16="http://schemas.microsoft.com/office/drawing/2014/main" xmlns="" id="{83DFF23D-959A-44BC-BE78-1D0330CDF164}"/>
               </a:ext>
             </a:extLst>
           </p:cNvPr>
@@ -8922,7 +8938,7 @@
           <p:cNvPr id="3" name="Content Placeholder 2">
             <a:extLst>
               <a:ext uri="{FF2B5EF4-FFF2-40B4-BE49-F238E27FC236}">
-                <a16:creationId xmlns="" xmlns:a16="http://schemas.microsoft.com/office/drawing/2014/main" id="{706A48C4-F2C9-48C7-B302-4ADE777DDB2E}"/>
+                <a16:creationId xmlns:a16="http://schemas.microsoft.com/office/drawing/2014/main" xmlns="" id="{706A48C4-F2C9-48C7-B302-4ADE777DDB2E}"/>
               </a:ext>
             </a:extLst>
           </p:cNvPr>
@@ -8947,7 +8963,7 @@
           <p:cNvPr id="4" name="Slide Number Placeholder 3">
             <a:extLst>
               <a:ext uri="{FF2B5EF4-FFF2-40B4-BE49-F238E27FC236}">
-                <a16:creationId xmlns="" xmlns:a16="http://schemas.microsoft.com/office/drawing/2014/main" id="{8BA44F56-3ECD-42B0-A9A9-E5F99872401B}"/>
+                <a16:creationId xmlns:a16="http://schemas.microsoft.com/office/drawing/2014/main" xmlns="" id="{8BA44F56-3ECD-42B0-A9A9-E5F99872401B}"/>
               </a:ext>
             </a:extLst>
           </p:cNvPr>
@@ -9007,7 +9023,7 @@
           <p:cNvPr id="2" name="Title 1">
             <a:extLst>
               <a:ext uri="{FF2B5EF4-FFF2-40B4-BE49-F238E27FC236}">
-                <a16:creationId xmlns="" xmlns:a16="http://schemas.microsoft.com/office/drawing/2014/main" id="{4E96F21E-1AFE-4A04-8BD0-C88D1D2DA52C}"/>
+                <a16:creationId xmlns:a16="http://schemas.microsoft.com/office/drawing/2014/main" xmlns="" id="{4E96F21E-1AFE-4A04-8BD0-C88D1D2DA52C}"/>
               </a:ext>
             </a:extLst>
           </p:cNvPr>
@@ -9035,7 +9051,7 @@
           <p:cNvPr id="3" name="Content Placeholder 2">
             <a:extLst>
               <a:ext uri="{FF2B5EF4-FFF2-40B4-BE49-F238E27FC236}">
-                <a16:creationId xmlns="" xmlns:a16="http://schemas.microsoft.com/office/drawing/2014/main" id="{C6D9C712-7144-4100-BCDB-F2CFAF7A1F31}"/>
+                <a16:creationId xmlns:a16="http://schemas.microsoft.com/office/drawing/2014/main" xmlns="" id="{C6D9C712-7144-4100-BCDB-F2CFAF7A1F31}"/>
               </a:ext>
             </a:extLst>
           </p:cNvPr>
@@ -9060,7 +9076,7 @@
           <p:cNvPr id="4" name="Slide Number Placeholder 3">
             <a:extLst>
               <a:ext uri="{FF2B5EF4-FFF2-40B4-BE49-F238E27FC236}">
-                <a16:creationId xmlns="" xmlns:a16="http://schemas.microsoft.com/office/drawing/2014/main" id="{ABDB7F91-3EE4-476A-9661-1648C797CBD1}"/>
+                <a16:creationId xmlns:a16="http://schemas.microsoft.com/office/drawing/2014/main" xmlns="" id="{ABDB7F91-3EE4-476A-9661-1648C797CBD1}"/>
               </a:ext>
             </a:extLst>
           </p:cNvPr>
@@ -9120,7 +9136,7 @@
           <p:cNvPr id="2" name="Title 1">
             <a:extLst>
               <a:ext uri="{FF2B5EF4-FFF2-40B4-BE49-F238E27FC236}">
-                <a16:creationId xmlns="" xmlns:a16="http://schemas.microsoft.com/office/drawing/2014/main" id="{1183D399-4942-4C83-BF24-B436160EB419}"/>
+                <a16:creationId xmlns:a16="http://schemas.microsoft.com/office/drawing/2014/main" xmlns="" id="{1183D399-4942-4C83-BF24-B436160EB419}"/>
               </a:ext>
             </a:extLst>
           </p:cNvPr>
@@ -9148,7 +9164,7 @@
           <p:cNvPr id="3" name="Content Placeholder 2">
             <a:extLst>
               <a:ext uri="{FF2B5EF4-FFF2-40B4-BE49-F238E27FC236}">
-                <a16:creationId xmlns="" xmlns:a16="http://schemas.microsoft.com/office/drawing/2014/main" id="{0DD74EA9-167B-4010-AF9E-BA2A7445C522}"/>
+                <a16:creationId xmlns:a16="http://schemas.microsoft.com/office/drawing/2014/main" xmlns="" id="{0DD74EA9-167B-4010-AF9E-BA2A7445C522}"/>
               </a:ext>
             </a:extLst>
           </p:cNvPr>
@@ -9173,7 +9189,7 @@
           <p:cNvPr id="4" name="Slide Number Placeholder 3">
             <a:extLst>
               <a:ext uri="{FF2B5EF4-FFF2-40B4-BE49-F238E27FC236}">
-                <a16:creationId xmlns="" xmlns:a16="http://schemas.microsoft.com/office/drawing/2014/main" id="{54E49C07-2ECF-4660-8582-3A662CD53904}"/>
+                <a16:creationId xmlns:a16="http://schemas.microsoft.com/office/drawing/2014/main" xmlns="" id="{54E49C07-2ECF-4660-8582-3A662CD53904}"/>
               </a:ext>
             </a:extLst>
           </p:cNvPr>
@@ -9233,7 +9249,7 @@
           <p:cNvPr id="2" name="Title 1">
             <a:extLst>
               <a:ext uri="{FF2B5EF4-FFF2-40B4-BE49-F238E27FC236}">
-                <a16:creationId xmlns="" xmlns:a16="http://schemas.microsoft.com/office/drawing/2014/main" id="{AB1A53DB-70FB-432D-BCAF-DCFBCCE6B023}"/>
+                <a16:creationId xmlns:a16="http://schemas.microsoft.com/office/drawing/2014/main" xmlns="" id="{AB1A53DB-70FB-432D-BCAF-DCFBCCE6B023}"/>
               </a:ext>
             </a:extLst>
           </p:cNvPr>
@@ -9265,7 +9281,7 @@
           <p:cNvPr id="3" name="Content Placeholder 2">
             <a:extLst>
               <a:ext uri="{FF2B5EF4-FFF2-40B4-BE49-F238E27FC236}">
-                <a16:creationId xmlns="" xmlns:a16="http://schemas.microsoft.com/office/drawing/2014/main" id="{A6866161-0CFB-4603-9213-EC107AF2D1E8}"/>
+                <a16:creationId xmlns:a16="http://schemas.microsoft.com/office/drawing/2014/main" xmlns="" id="{A6866161-0CFB-4603-9213-EC107AF2D1E8}"/>
               </a:ext>
             </a:extLst>
           </p:cNvPr>
@@ -9278,7 +9294,9 @@
         </p:nvSpPr>
         <p:spPr/>
         <p:txBody>
-          <a:bodyPr/>
+          <a:bodyPr>
+            <a:normAutofit/>
+          </a:bodyPr>
           <a:lstStyle/>
           <a:p>
             <a:r>
@@ -9289,14 +9307,67 @@
           <a:p>
             <a:r>
               <a:rPr lang="en-US" dirty="0" smtClean="0"/>
-              <a:t>Implemented drawing a map</a:t>
+              <a:t>Used our acquired key to interact with the API</a:t>
             </a:r>
           </a:p>
           <a:p>
             <a:r>
               <a:rPr lang="en-US" dirty="0" smtClean="0"/>
-              <a:t>Implemented drawing custom markers (custom landmarks) </a:t>
-            </a:r>
+              <a:t>Implemented </a:t>
+            </a:r>
+            <a:r>
+              <a:rPr lang="en-US" dirty="0" smtClean="0"/>
+              <a:t>drawing a </a:t>
+            </a:r>
+            <a:r>
+              <a:rPr lang="en-US" dirty="0" smtClean="0"/>
+              <a:t>map</a:t>
+            </a:r>
+          </a:p>
+          <a:p>
+            <a:r>
+              <a:rPr lang="en-US" dirty="0" smtClean="0"/>
+              <a:t>Current points are arbitrary, but easily modified to reflect points produced by algorithm </a:t>
+            </a:r>
+          </a:p>
+          <a:p>
+            <a:r>
+              <a:rPr lang="en-US" dirty="0" smtClean="0"/>
+              <a:t>Currently working on:</a:t>
+            </a:r>
+          </a:p>
+          <a:p>
+            <a:pPr lvl="1"/>
+            <a:r>
+              <a:rPr lang="en-US" dirty="0" smtClean="0"/>
+              <a:t>Refining large map into a rectangular shaped map in direction phone is pointing</a:t>
+            </a:r>
+            <a:endParaRPr lang="en-US" dirty="0" smtClean="0"/>
+          </a:p>
+          <a:p>
+            <a:pPr lvl="1"/>
+            <a:r>
+              <a:rPr lang="en-US" dirty="0" smtClean="0"/>
+              <a:t>Drawing markers for landmarks in refined map</a:t>
+            </a:r>
+            <a:endParaRPr lang="en-US" dirty="0" smtClean="0"/>
+          </a:p>
+          <a:p>
+            <a:pPr lvl="1"/>
+            <a:r>
+              <a:rPr lang="en-US" dirty="0" smtClean="0"/>
+              <a:t>Drawing custom markers (custom landmark locations)</a:t>
+            </a:r>
+          </a:p>
+          <a:p>
+            <a:pPr lvl="1"/>
+            <a:r>
+              <a:rPr lang="en-US" dirty="0" smtClean="0"/>
+              <a:t>Retrieving location data from refined map</a:t>
+            </a:r>
+            <a:endParaRPr lang="en-US" dirty="0" smtClean="0"/>
+          </a:p>
+          <a:p>
             <a:endParaRPr lang="en-US" dirty="0"/>
           </a:p>
         </p:txBody>
@@ -9306,7 +9377,7 @@
           <p:cNvPr id="4" name="Slide Number Placeholder 3">
             <a:extLst>
               <a:ext uri="{FF2B5EF4-FFF2-40B4-BE49-F238E27FC236}">
-                <a16:creationId xmlns="" xmlns:a16="http://schemas.microsoft.com/office/drawing/2014/main" id="{46B07E3D-35B9-4761-9561-21093A66968A}"/>
+                <a16:creationId xmlns:a16="http://schemas.microsoft.com/office/drawing/2014/main" xmlns="" id="{46B07E3D-35B9-4761-9561-21093A66968A}"/>
               </a:ext>
             </a:extLst>
           </p:cNvPr>
@@ -9366,7 +9437,7 @@
           <p:cNvPr id="2" name="Title 1">
             <a:extLst>
               <a:ext uri="{FF2B5EF4-FFF2-40B4-BE49-F238E27FC236}">
-                <a16:creationId xmlns="" xmlns:a16="http://schemas.microsoft.com/office/drawing/2014/main" id="{A9659006-5658-41C1-A6C3-449E86D35AC0}"/>
+                <a16:creationId xmlns:a16="http://schemas.microsoft.com/office/drawing/2014/main" xmlns="" id="{A9659006-5658-41C1-A6C3-449E86D35AC0}"/>
               </a:ext>
             </a:extLst>
           </p:cNvPr>
@@ -9394,7 +9465,7 @@
           <p:cNvPr id="3" name="Content Placeholder 2">
             <a:extLst>
               <a:ext uri="{FF2B5EF4-FFF2-40B4-BE49-F238E27FC236}">
-                <a16:creationId xmlns="" xmlns:a16="http://schemas.microsoft.com/office/drawing/2014/main" id="{73DD2599-6704-444D-B198-A61017C68022}"/>
+                <a16:creationId xmlns:a16="http://schemas.microsoft.com/office/drawing/2014/main" xmlns="" id="{73DD2599-6704-444D-B198-A61017C68022}"/>
               </a:ext>
             </a:extLst>
           </p:cNvPr>
@@ -9422,7 +9493,7 @@
           <p:cNvPr id="4" name="Slide Number Placeholder 3">
             <a:extLst>
               <a:ext uri="{FF2B5EF4-FFF2-40B4-BE49-F238E27FC236}">
-                <a16:creationId xmlns="" xmlns:a16="http://schemas.microsoft.com/office/drawing/2014/main" id="{1648D571-E13E-4175-B1E8-3DF13ABB935A}"/>
+                <a16:creationId xmlns:a16="http://schemas.microsoft.com/office/drawing/2014/main" xmlns="" id="{1648D571-E13E-4175-B1E8-3DF13ABB935A}"/>
               </a:ext>
             </a:extLst>
           </p:cNvPr>
@@ -9482,7 +9553,7 @@
           <p:cNvPr id="2" name="Title 1">
             <a:extLst>
               <a:ext uri="{FF2B5EF4-FFF2-40B4-BE49-F238E27FC236}">
-                <a16:creationId xmlns="" xmlns:a16="http://schemas.microsoft.com/office/drawing/2014/main" id="{F2AB9014-8A31-4680-8991-595A8A0A7749}"/>
+                <a16:creationId xmlns:a16="http://schemas.microsoft.com/office/drawing/2014/main" xmlns="" id="{F2AB9014-8A31-4680-8991-595A8A0A7749}"/>
               </a:ext>
             </a:extLst>
           </p:cNvPr>
@@ -9510,7 +9581,7 @@
           <p:cNvPr id="3" name="Content Placeholder 2">
             <a:extLst>
               <a:ext uri="{FF2B5EF4-FFF2-40B4-BE49-F238E27FC236}">
-                <a16:creationId xmlns="" xmlns:a16="http://schemas.microsoft.com/office/drawing/2014/main" id="{943385D6-20E6-41CB-94E2-C41E10317A02}"/>
+                <a16:creationId xmlns:a16="http://schemas.microsoft.com/office/drawing/2014/main" xmlns="" id="{943385D6-20E6-41CB-94E2-C41E10317A02}"/>
               </a:ext>
             </a:extLst>
           </p:cNvPr>
@@ -9535,7 +9606,7 @@
           <p:cNvPr id="4" name="Slide Number Placeholder 3">
             <a:extLst>
               <a:ext uri="{FF2B5EF4-FFF2-40B4-BE49-F238E27FC236}">
-                <a16:creationId xmlns="" xmlns:a16="http://schemas.microsoft.com/office/drawing/2014/main" id="{D85744C6-A06A-4F75-9D77-276BE5D6962F}"/>
+                <a16:creationId xmlns:a16="http://schemas.microsoft.com/office/drawing/2014/main" xmlns="" id="{D85744C6-A06A-4F75-9D77-276BE5D6962F}"/>
               </a:ext>
             </a:extLst>
           </p:cNvPr>
@@ -9595,7 +9666,7 @@
           <p:cNvPr id="2" name="Title 1">
             <a:extLst>
               <a:ext uri="{FF2B5EF4-FFF2-40B4-BE49-F238E27FC236}">
-                <a16:creationId xmlns="" xmlns:a16="http://schemas.microsoft.com/office/drawing/2014/main" id="{E745B5BA-CEC8-422E-982B-F8BC98723754}"/>
+                <a16:creationId xmlns:a16="http://schemas.microsoft.com/office/drawing/2014/main" xmlns="" id="{E745B5BA-CEC8-422E-982B-F8BC98723754}"/>
               </a:ext>
             </a:extLst>
           </p:cNvPr>
@@ -9623,7 +9694,7 @@
           <p:cNvPr id="3" name="Content Placeholder 2">
             <a:extLst>
               <a:ext uri="{FF2B5EF4-FFF2-40B4-BE49-F238E27FC236}">
-                <a16:creationId xmlns="" xmlns:a16="http://schemas.microsoft.com/office/drawing/2014/main" id="{737908CF-DFCF-479E-B76A-2140E612B90F}"/>
+                <a16:creationId xmlns:a16="http://schemas.microsoft.com/office/drawing/2014/main" xmlns="" id="{737908CF-DFCF-479E-B76A-2140E612B90F}"/>
               </a:ext>
             </a:extLst>
           </p:cNvPr>
@@ -9648,7 +9719,7 @@
           <p:cNvPr id="4" name="Slide Number Placeholder 3">
             <a:extLst>
               <a:ext uri="{FF2B5EF4-FFF2-40B4-BE49-F238E27FC236}">
-                <a16:creationId xmlns="" xmlns:a16="http://schemas.microsoft.com/office/drawing/2014/main" id="{DF8C3242-F7F3-4B6D-BE97-C08D1A7EC84D}"/>
+                <a16:creationId xmlns:a16="http://schemas.microsoft.com/office/drawing/2014/main" xmlns="" id="{DF8C3242-F7F3-4B6D-BE97-C08D1A7EC84D}"/>
               </a:ext>
             </a:extLst>
           </p:cNvPr>
@@ -9708,7 +9779,7 @@
           <p:cNvPr id="2" name="Title 1">
             <a:extLst>
               <a:ext uri="{FF2B5EF4-FFF2-40B4-BE49-F238E27FC236}">
-                <a16:creationId xmlns="" xmlns:a16="http://schemas.microsoft.com/office/drawing/2014/main" id="{0925D358-7D77-482A-BA62-AF4AAB8E726F}"/>
+                <a16:creationId xmlns:a16="http://schemas.microsoft.com/office/drawing/2014/main" xmlns="" id="{0925D358-7D77-482A-BA62-AF4AAB8E726F}"/>
               </a:ext>
             </a:extLst>
           </p:cNvPr>
@@ -9736,7 +9807,7 @@
           <p:cNvPr id="3" name="Content Placeholder 2">
             <a:extLst>
               <a:ext uri="{FF2B5EF4-FFF2-40B4-BE49-F238E27FC236}">
-                <a16:creationId xmlns="" xmlns:a16="http://schemas.microsoft.com/office/drawing/2014/main" id="{6A41BCA7-F42D-4C14-9EE3-C0604BD1C8ED}"/>
+                <a16:creationId xmlns:a16="http://schemas.microsoft.com/office/drawing/2014/main" xmlns="" id="{6A41BCA7-F42D-4C14-9EE3-C0604BD1C8ED}"/>
               </a:ext>
             </a:extLst>
           </p:cNvPr>
@@ -9761,7 +9832,7 @@
           <p:cNvPr id="4" name="Slide Number Placeholder 3">
             <a:extLst>
               <a:ext uri="{FF2B5EF4-FFF2-40B4-BE49-F238E27FC236}">
-                <a16:creationId xmlns="" xmlns:a16="http://schemas.microsoft.com/office/drawing/2014/main" id="{BB4882C3-32B5-455C-9E1C-9DBFC4D3EA7C}"/>
+                <a16:creationId xmlns:a16="http://schemas.microsoft.com/office/drawing/2014/main" xmlns="" id="{BB4882C3-32B5-455C-9E1C-9DBFC4D3EA7C}"/>
               </a:ext>
             </a:extLst>
           </p:cNvPr>
@@ -9821,7 +9892,7 @@
           <p:cNvPr id="2" name="Title 1">
             <a:extLst>
               <a:ext uri="{FF2B5EF4-FFF2-40B4-BE49-F238E27FC236}">
-                <a16:creationId xmlns="" xmlns:a16="http://schemas.microsoft.com/office/drawing/2014/main" id="{AD0AB5FE-C138-421F-92EE-1844FDF7256A}"/>
+                <a16:creationId xmlns:a16="http://schemas.microsoft.com/office/drawing/2014/main" xmlns="" id="{AD0AB5FE-C138-421F-92EE-1844FDF7256A}"/>
               </a:ext>
             </a:extLst>
           </p:cNvPr>
@@ -9849,7 +9920,7 @@
           <p:cNvPr id="3" name="Content Placeholder 2">
             <a:extLst>
               <a:ext uri="{FF2B5EF4-FFF2-40B4-BE49-F238E27FC236}">
-                <a16:creationId xmlns="" xmlns:a16="http://schemas.microsoft.com/office/drawing/2014/main" id="{903C4FAD-1519-4538-BD82-6A08BE138CB6}"/>
+                <a16:creationId xmlns:a16="http://schemas.microsoft.com/office/drawing/2014/main" xmlns="" id="{903C4FAD-1519-4538-BD82-6A08BE138CB6}"/>
               </a:ext>
             </a:extLst>
           </p:cNvPr>
@@ -9874,7 +9945,7 @@
           <p:cNvPr id="4" name="Slide Number Placeholder 3">
             <a:extLst>
               <a:ext uri="{FF2B5EF4-FFF2-40B4-BE49-F238E27FC236}">
-                <a16:creationId xmlns="" xmlns:a16="http://schemas.microsoft.com/office/drawing/2014/main" id="{2D0C1AF0-2A5F-49B5-B744-94150C0B7BD5}"/>
+                <a16:creationId xmlns:a16="http://schemas.microsoft.com/office/drawing/2014/main" xmlns="" id="{2D0C1AF0-2A5F-49B5-B744-94150C0B7BD5}"/>
               </a:ext>
             </a:extLst>
           </p:cNvPr>
@@ -9934,7 +10005,7 @@
           <p:cNvPr id="2" name="Title 1">
             <a:extLst>
               <a:ext uri="{FF2B5EF4-FFF2-40B4-BE49-F238E27FC236}">
-                <a16:creationId xmlns="" xmlns:a16="http://schemas.microsoft.com/office/drawing/2014/main" id="{5DE1D604-AE0D-4070-84FA-E88517FF5DFF}"/>
+                <a16:creationId xmlns:a16="http://schemas.microsoft.com/office/drawing/2014/main" xmlns="" id="{5DE1D604-AE0D-4070-84FA-E88517FF5DFF}"/>
               </a:ext>
             </a:extLst>
           </p:cNvPr>
@@ -9962,7 +10033,7 @@
           <p:cNvPr id="3" name="Content Placeholder 2">
             <a:extLst>
               <a:ext uri="{FF2B5EF4-FFF2-40B4-BE49-F238E27FC236}">
-                <a16:creationId xmlns="" xmlns:a16="http://schemas.microsoft.com/office/drawing/2014/main" id="{E38BF89C-DFBF-421E-A964-AE3C9E1FC370}"/>
+                <a16:creationId xmlns:a16="http://schemas.microsoft.com/office/drawing/2014/main" xmlns="" id="{E38BF89C-DFBF-421E-A964-AE3C9E1FC370}"/>
               </a:ext>
             </a:extLst>
           </p:cNvPr>
@@ -9987,7 +10058,7 @@
           <p:cNvPr id="4" name="Slide Number Placeholder 3">
             <a:extLst>
               <a:ext uri="{FF2B5EF4-FFF2-40B4-BE49-F238E27FC236}">
-                <a16:creationId xmlns="" xmlns:a16="http://schemas.microsoft.com/office/drawing/2014/main" id="{6DD83CE4-B7F7-4E5E-9EA9-93BC3E139089}"/>
+                <a16:creationId xmlns:a16="http://schemas.microsoft.com/office/drawing/2014/main" xmlns="" id="{6DD83CE4-B7F7-4E5E-9EA9-93BC3E139089}"/>
               </a:ext>
             </a:extLst>
           </p:cNvPr>
@@ -10047,7 +10118,7 @@
           <p:cNvPr id="2" name="Title 1">
             <a:extLst>
               <a:ext uri="{FF2B5EF4-FFF2-40B4-BE49-F238E27FC236}">
-                <a16:creationId xmlns="" xmlns:a16="http://schemas.microsoft.com/office/drawing/2014/main" id="{F2D35386-6553-4F40-B13E-39127AE27598}"/>
+                <a16:creationId xmlns:a16="http://schemas.microsoft.com/office/drawing/2014/main" xmlns="" id="{F2D35386-6553-4F40-B13E-39127AE27598}"/>
               </a:ext>
             </a:extLst>
           </p:cNvPr>
@@ -10075,7 +10146,7 @@
           <p:cNvPr id="3" name="Content Placeholder 2">
             <a:extLst>
               <a:ext uri="{FF2B5EF4-FFF2-40B4-BE49-F238E27FC236}">
-                <a16:creationId xmlns="" xmlns:a16="http://schemas.microsoft.com/office/drawing/2014/main" id="{B215CA30-6357-4A93-9C6E-ABDCF65F48B0}"/>
+                <a16:creationId xmlns:a16="http://schemas.microsoft.com/office/drawing/2014/main" xmlns="" id="{B215CA30-6357-4A93-9C6E-ABDCF65F48B0}"/>
               </a:ext>
             </a:extLst>
           </p:cNvPr>
@@ -10156,7 +10227,7 @@
           <p:cNvPr id="4" name="Slide Number Placeholder 3">
             <a:extLst>
               <a:ext uri="{FF2B5EF4-FFF2-40B4-BE49-F238E27FC236}">
-                <a16:creationId xmlns="" xmlns:a16="http://schemas.microsoft.com/office/drawing/2014/main" id="{367A8BEF-7F6E-4089-833F-9809F9A867A4}"/>
+                <a16:creationId xmlns:a16="http://schemas.microsoft.com/office/drawing/2014/main" xmlns="" id="{367A8BEF-7F6E-4089-833F-9809F9A867A4}"/>
               </a:ext>
             </a:extLst>
           </p:cNvPr>
@@ -10216,7 +10287,7 @@
           <p:cNvPr id="2" name="Title 1">
             <a:extLst>
               <a:ext uri="{FF2B5EF4-FFF2-40B4-BE49-F238E27FC236}">
-                <a16:creationId xmlns="" xmlns:a16="http://schemas.microsoft.com/office/drawing/2014/main" id="{5199C9B0-06E2-410E-8DDA-ABF5228032EA}"/>
+                <a16:creationId xmlns:a16="http://schemas.microsoft.com/office/drawing/2014/main" xmlns="" id="{5199C9B0-06E2-410E-8DDA-ABF5228032EA}"/>
               </a:ext>
             </a:extLst>
           </p:cNvPr>
@@ -10244,7 +10315,7 @@
           <p:cNvPr id="3" name="Content Placeholder 2">
             <a:extLst>
               <a:ext uri="{FF2B5EF4-FFF2-40B4-BE49-F238E27FC236}">
-                <a16:creationId xmlns="" xmlns:a16="http://schemas.microsoft.com/office/drawing/2014/main" id="{0EA9F7AB-C9CE-47FF-B6ED-B5BF71D63066}"/>
+                <a16:creationId xmlns:a16="http://schemas.microsoft.com/office/drawing/2014/main" xmlns="" id="{0EA9F7AB-C9CE-47FF-B6ED-B5BF71D63066}"/>
               </a:ext>
             </a:extLst>
           </p:cNvPr>
@@ -10269,7 +10340,7 @@
           <p:cNvPr id="4" name="Slide Number Placeholder 3">
             <a:extLst>
               <a:ext uri="{FF2B5EF4-FFF2-40B4-BE49-F238E27FC236}">
-                <a16:creationId xmlns="" xmlns:a16="http://schemas.microsoft.com/office/drawing/2014/main" id="{41E5440E-F403-4B49-B638-14435F8F2B1D}"/>
+                <a16:creationId xmlns:a16="http://schemas.microsoft.com/office/drawing/2014/main" xmlns="" id="{41E5440E-F403-4B49-B638-14435F8F2B1D}"/>
               </a:ext>
             </a:extLst>
           </p:cNvPr>
@@ -10329,7 +10400,7 @@
           <p:cNvPr id="2" name="Title 1">
             <a:extLst>
               <a:ext uri="{FF2B5EF4-FFF2-40B4-BE49-F238E27FC236}">
-                <a16:creationId xmlns="" xmlns:a16="http://schemas.microsoft.com/office/drawing/2014/main" id="{B42A0C66-3F52-409A-9CE7-5570CF118EC1}"/>
+                <a16:creationId xmlns:a16="http://schemas.microsoft.com/office/drawing/2014/main" xmlns="" id="{B42A0C66-3F52-409A-9CE7-5570CF118EC1}"/>
               </a:ext>
             </a:extLst>
           </p:cNvPr>
@@ -10357,7 +10428,7 @@
           <p:cNvPr id="3" name="Content Placeholder 2">
             <a:extLst>
               <a:ext uri="{FF2B5EF4-FFF2-40B4-BE49-F238E27FC236}">
-                <a16:creationId xmlns="" xmlns:a16="http://schemas.microsoft.com/office/drawing/2014/main" id="{453B0361-81CA-4B36-98AD-8CDC7D18FD88}"/>
+                <a16:creationId xmlns:a16="http://schemas.microsoft.com/office/drawing/2014/main" xmlns="" id="{453B0361-81CA-4B36-98AD-8CDC7D18FD88}"/>
               </a:ext>
             </a:extLst>
           </p:cNvPr>
@@ -10412,7 +10483,7 @@
           <p:cNvPr id="4" name="Slide Number Placeholder 3">
             <a:extLst>
               <a:ext uri="{FF2B5EF4-FFF2-40B4-BE49-F238E27FC236}">
-                <a16:creationId xmlns="" xmlns:a16="http://schemas.microsoft.com/office/drawing/2014/main" id="{68400699-93C1-43CE-9C6D-F2E00C8FCA2F}"/>
+                <a16:creationId xmlns:a16="http://schemas.microsoft.com/office/drawing/2014/main" xmlns="" id="{68400699-93C1-43CE-9C6D-F2E00C8FCA2F}"/>
               </a:ext>
             </a:extLst>
           </p:cNvPr>
@@ -10472,7 +10543,7 @@
           <p:cNvPr id="2" name="Title 1">
             <a:extLst>
               <a:ext uri="{FF2B5EF4-FFF2-40B4-BE49-F238E27FC236}">
-                <a16:creationId xmlns="" xmlns:a16="http://schemas.microsoft.com/office/drawing/2014/main" id="{97A51132-5F7C-4458-A7CA-40C03DC63E1A}"/>
+                <a16:creationId xmlns:a16="http://schemas.microsoft.com/office/drawing/2014/main" xmlns="" id="{97A51132-5F7C-4458-A7CA-40C03DC63E1A}"/>
               </a:ext>
             </a:extLst>
           </p:cNvPr>
@@ -10508,7 +10579,7 @@
           <p:cNvPr id="3" name="Content Placeholder 2">
             <a:extLst>
               <a:ext uri="{FF2B5EF4-FFF2-40B4-BE49-F238E27FC236}">
-                <a16:creationId xmlns="" xmlns:a16="http://schemas.microsoft.com/office/drawing/2014/main" id="{AC52C316-830D-462A-8F67-9BA0E80F4A72}"/>
+                <a16:creationId xmlns:a16="http://schemas.microsoft.com/office/drawing/2014/main" xmlns="" id="{AC52C316-830D-462A-8F67-9BA0E80F4A72}"/>
               </a:ext>
             </a:extLst>
           </p:cNvPr>
@@ -10557,7 +10628,7 @@
           <p:cNvPr id="4" name="Slide Number Placeholder 3">
             <a:extLst>
               <a:ext uri="{FF2B5EF4-FFF2-40B4-BE49-F238E27FC236}">
-                <a16:creationId xmlns="" xmlns:a16="http://schemas.microsoft.com/office/drawing/2014/main" id="{7DC007F5-0198-4CE9-837A-8E4EBDFB3638}"/>
+                <a16:creationId xmlns:a16="http://schemas.microsoft.com/office/drawing/2014/main" xmlns="" id="{7DC007F5-0198-4CE9-837A-8E4EBDFB3638}"/>
               </a:ext>
             </a:extLst>
           </p:cNvPr>
@@ -10617,7 +10688,7 @@
           <p:cNvPr id="2" name="Title 1">
             <a:extLst>
               <a:ext uri="{FF2B5EF4-FFF2-40B4-BE49-F238E27FC236}">
-                <a16:creationId xmlns="" xmlns:a16="http://schemas.microsoft.com/office/drawing/2014/main" id="{8B25CC60-678F-4ABC-A286-B6474D7DA369}"/>
+                <a16:creationId xmlns:a16="http://schemas.microsoft.com/office/drawing/2014/main" xmlns="" id="{8B25CC60-678F-4ABC-A286-B6474D7DA369}"/>
               </a:ext>
             </a:extLst>
           </p:cNvPr>
@@ -10653,7 +10724,7 @@
           <p:cNvPr id="3" name="Content Placeholder 2">
             <a:extLst>
               <a:ext uri="{FF2B5EF4-FFF2-40B4-BE49-F238E27FC236}">
-                <a16:creationId xmlns="" xmlns:a16="http://schemas.microsoft.com/office/drawing/2014/main" id="{A4A95409-D15F-4ACF-B8E2-B483B69F471C}"/>
+                <a16:creationId xmlns:a16="http://schemas.microsoft.com/office/drawing/2014/main" xmlns="" id="{A4A95409-D15F-4ACF-B8E2-B483B69F471C}"/>
               </a:ext>
             </a:extLst>
           </p:cNvPr>
@@ -10707,7 +10778,7 @@
           <p:cNvPr id="4" name="Slide Number Placeholder 3">
             <a:extLst>
               <a:ext uri="{FF2B5EF4-FFF2-40B4-BE49-F238E27FC236}">
-                <a16:creationId xmlns="" xmlns:a16="http://schemas.microsoft.com/office/drawing/2014/main" id="{2E8DA2EF-A6B0-4094-B638-5C0BABA0F1E5}"/>
+                <a16:creationId xmlns:a16="http://schemas.microsoft.com/office/drawing/2014/main" xmlns="" id="{2E8DA2EF-A6B0-4094-B638-5C0BABA0F1E5}"/>
               </a:ext>
             </a:extLst>
           </p:cNvPr>
@@ -10767,7 +10838,7 @@
           <p:cNvPr id="2" name="Title 1">
             <a:extLst>
               <a:ext uri="{FF2B5EF4-FFF2-40B4-BE49-F238E27FC236}">
-                <a16:creationId xmlns="" xmlns:a16="http://schemas.microsoft.com/office/drawing/2014/main" id="{48FF45B5-D5FA-460B-991C-2FA108E3A3F1}"/>
+                <a16:creationId xmlns:a16="http://schemas.microsoft.com/office/drawing/2014/main" xmlns="" id="{48FF45B5-D5FA-460B-991C-2FA108E3A3F1}"/>
               </a:ext>
             </a:extLst>
           </p:cNvPr>
@@ -10803,7 +10874,7 @@
           <p:cNvPr id="3" name="Content Placeholder 2">
             <a:extLst>
               <a:ext uri="{FF2B5EF4-FFF2-40B4-BE49-F238E27FC236}">
-                <a16:creationId xmlns="" xmlns:a16="http://schemas.microsoft.com/office/drawing/2014/main" id="{E78EFE23-8489-47D3-809F-724D797C3D7A}"/>
+                <a16:creationId xmlns:a16="http://schemas.microsoft.com/office/drawing/2014/main" xmlns="" id="{E78EFE23-8489-47D3-809F-724D797C3D7A}"/>
               </a:ext>
             </a:extLst>
           </p:cNvPr>
@@ -10868,7 +10939,7 @@
           <p:cNvPr id="4" name="Slide Number Placeholder 3">
             <a:extLst>
               <a:ext uri="{FF2B5EF4-FFF2-40B4-BE49-F238E27FC236}">
-                <a16:creationId xmlns="" xmlns:a16="http://schemas.microsoft.com/office/drawing/2014/main" id="{7DB99A5F-00D7-4971-A7FF-A69FAA2A03B7}"/>
+                <a16:creationId xmlns:a16="http://schemas.microsoft.com/office/drawing/2014/main" xmlns="" id="{7DB99A5F-00D7-4971-A7FF-A69FAA2A03B7}"/>
               </a:ext>
             </a:extLst>
           </p:cNvPr>
@@ -10928,7 +10999,7 @@
           <p:cNvPr id="2" name="Title 1">
             <a:extLst>
               <a:ext uri="{FF2B5EF4-FFF2-40B4-BE49-F238E27FC236}">
-                <a16:creationId xmlns="" xmlns:a16="http://schemas.microsoft.com/office/drawing/2014/main" id="{FAB11C2D-EE05-4A0B-8CD0-4ED2F65CAE8A}"/>
+                <a16:creationId xmlns:a16="http://schemas.microsoft.com/office/drawing/2014/main" xmlns="" id="{FAB11C2D-EE05-4A0B-8CD0-4ED2F65CAE8A}"/>
               </a:ext>
             </a:extLst>
           </p:cNvPr>
@@ -10956,7 +11027,7 @@
           <p:cNvPr id="3" name="Content Placeholder 2">
             <a:extLst>
               <a:ext uri="{FF2B5EF4-FFF2-40B4-BE49-F238E27FC236}">
-                <a16:creationId xmlns="" xmlns:a16="http://schemas.microsoft.com/office/drawing/2014/main" id="{76C92324-9BA2-4470-8199-AB38945929FA}"/>
+                <a16:creationId xmlns:a16="http://schemas.microsoft.com/office/drawing/2014/main" xmlns="" id="{76C92324-9BA2-4470-8199-AB38945929FA}"/>
               </a:ext>
             </a:extLst>
           </p:cNvPr>
@@ -10981,7 +11052,7 @@
           <p:cNvPr id="4" name="Slide Number Placeholder 3">
             <a:extLst>
               <a:ext uri="{FF2B5EF4-FFF2-40B4-BE49-F238E27FC236}">
-                <a16:creationId xmlns="" xmlns:a16="http://schemas.microsoft.com/office/drawing/2014/main" id="{20D3C6AF-E7A8-4C54-8F7F-CCCED9070700}"/>
+                <a16:creationId xmlns:a16="http://schemas.microsoft.com/office/drawing/2014/main" xmlns="" id="{20D3C6AF-E7A8-4C54-8F7F-CCCED9070700}"/>
               </a:ext>
             </a:extLst>
           </p:cNvPr>
@@ -11256,7 +11327,7 @@
   <a:extraClrSchemeLst/>
   <a:extLst>
     <a:ext uri="{05A4C25C-085E-4340-85A3-A5531E510DB2}">
-      <thm15:themeFamily xmlns="" xmlns:thm15="http://schemas.microsoft.com/office/thememl/2012/main" name="Wisp" id="{7CB32D59-10C0-40DD-B7BD-2E94284A981C}" vid="{24B1A44C-C006-48B2-A4D7-E5549B3D8CD4}"/>
+      <thm15:themeFamily xmlns:thm15="http://schemas.microsoft.com/office/thememl/2012/main" xmlns="" name="Wisp" id="{7CB32D59-10C0-40DD-B7BD-2E94284A981C}" vid="{24B1A44C-C006-48B2-A4D7-E5549B3D8CD4}"/>
     </a:ext>
   </a:extLst>
 </a:theme>
@@ -11551,7 +11622,7 @@
   <a:extraClrSchemeLst/>
   <a:extLst>
     <a:ext uri="{05A4C25C-085E-4340-85A3-A5531E510DB2}">
-      <thm15:themeFamily xmlns="" xmlns:thm15="http://schemas.microsoft.com/office/thememl/2012/main" name="Office Theme" id="{62F939B6-93AF-4DB8-9C6B-D6C7DFDC589F}" vid="{4A3C46E8-61CC-4603-A589-7422A47A8E4A}"/>
+      <thm15:themeFamily xmlns:thm15="http://schemas.microsoft.com/office/thememl/2012/main" xmlns="" name="Office Theme" id="{62F939B6-93AF-4DB8-9C6B-D6C7DFDC589F}" vid="{4A3C46E8-61CC-4603-A589-7422A47A8E4A}"/>
     </a:ext>
   </a:extLst>
 </a:theme>

--- a/Presentations/Sprint01_ReviewMeeting_updated.pptx
+++ b/Presentations/Sprint01_ReviewMeeting_updated.pptx
@@ -282,7 +282,7 @@
           <a:p>
             <a:fld id="{19BF4C59-5F08-44C4-B153-33D13F8820E2}" type="datetimeFigureOut">
               <a:rPr lang="en-US" smtClean="0"/>
-              <a:t>11/26/2018</a:t>
+              <a:t>11/27/2018</a:t>
             </a:fld>
             <a:endParaRPr lang="en-US"/>
           </a:p>
@@ -737,7 +737,7 @@
           <a:p>
             <a:fld id="{F496603D-C74F-4091-A2D3-4695C477BDF9}" type="datetime1">
               <a:rPr lang="en-US" smtClean="0"/>
-              <a:t>11/26/2018</a:t>
+              <a:t>11/27/2018</a:t>
             </a:fld>
             <a:endParaRPr lang="en-US" dirty="0"/>
           </a:p>
@@ -1071,7 +1071,7 @@
           <a:p>
             <a:fld id="{59B7F04C-D88F-4E87-8405-047FE8998599}" type="datetime1">
               <a:rPr lang="en-US" smtClean="0"/>
-              <a:t>11/26/2018</a:t>
+              <a:t>11/27/2018</a:t>
             </a:fld>
             <a:endParaRPr lang="en-US" dirty="0"/>
           </a:p>
@@ -1468,7 +1468,7 @@
           <a:p>
             <a:fld id="{F53A2574-81AC-4C8C-9315-A798CBD15508}" type="datetime1">
               <a:rPr lang="en-US" smtClean="0"/>
-              <a:t>11/26/2018</a:t>
+              <a:t>11/27/2018</a:t>
             </a:fld>
             <a:endParaRPr lang="en-US" dirty="0"/>
           </a:p>
@@ -1800,7 +1800,7 @@
           <a:p>
             <a:fld id="{9F79353D-7D17-4E5D-B6AA-BEFF3E0E4AED}" type="datetime1">
               <a:rPr lang="en-US" smtClean="0"/>
-              <a:t>11/26/2018</a:t>
+              <a:t>11/27/2018</a:t>
             </a:fld>
             <a:endParaRPr lang="en-US" dirty="0"/>
           </a:p>
@@ -2116,7 +2116,7 @@
           <a:p>
             <a:fld id="{62E83889-C6FA-4794-A93A-78152215D16A}" type="datetime1">
               <a:rPr lang="en-US" smtClean="0"/>
-              <a:t>11/26/2018</a:t>
+              <a:t>11/27/2018</a:t>
             </a:fld>
             <a:endParaRPr lang="en-US" dirty="0"/>
           </a:p>
@@ -2508,7 +2508,7 @@
           <a:p>
             <a:fld id="{A0ED2F6D-E95C-4D36-9BBD-35E186A95236}" type="datetime1">
               <a:rPr lang="en-US" smtClean="0"/>
-              <a:t>11/26/2018</a:t>
+              <a:t>11/27/2018</a:t>
             </a:fld>
             <a:endParaRPr lang="en-US" dirty="0"/>
           </a:p>
@@ -2761,7 +2761,7 @@
           <a:p>
             <a:fld id="{3F053689-2F89-4CD8-BBCC-628181C06D6F}" type="datetime1">
               <a:rPr lang="en-US" smtClean="0"/>
-              <a:t>11/26/2018</a:t>
+              <a:t>11/27/2018</a:t>
             </a:fld>
             <a:endParaRPr lang="en-US" dirty="0"/>
           </a:p>
@@ -3019,7 +3019,7 @@
           <a:p>
             <a:fld id="{97B04EC7-3A70-4154-BE8C-716D5F7D393A}" type="datetime1">
               <a:rPr lang="en-US" smtClean="0"/>
-              <a:t>11/26/2018</a:t>
+              <a:t>11/27/2018</a:t>
             </a:fld>
             <a:endParaRPr lang="en-US" dirty="0"/>
           </a:p>
@@ -3277,7 +3277,7 @@
           <a:p>
             <a:fld id="{324BC052-11CD-4DCD-ACF1-8E2FFA6E860A}" type="datetime1">
               <a:rPr lang="en-US" smtClean="0"/>
-              <a:t>11/26/2018</a:t>
+              <a:t>11/27/2018</a:t>
             </a:fld>
             <a:endParaRPr lang="en-US" dirty="0"/>
           </a:p>
@@ -3602,7 +3602,7 @@
           <a:p>
             <a:fld id="{76C8D67C-A063-467C-BC65-C57E079F80F5}" type="datetime1">
               <a:rPr lang="en-US" smtClean="0"/>
-              <a:t>11/26/2018</a:t>
+              <a:t>11/27/2018</a:t>
             </a:fld>
             <a:endParaRPr lang="en-US" dirty="0"/>
           </a:p>
@@ -3921,7 +3921,7 @@
           <a:p>
             <a:fld id="{B9D1D154-EC59-400A-90AD-D66E129D1C81}" type="datetime1">
               <a:rPr lang="en-US" smtClean="0"/>
-              <a:t>11/26/2018</a:t>
+              <a:t>11/27/2018</a:t>
             </a:fld>
             <a:endParaRPr lang="en-US" dirty="0"/>
           </a:p>
@@ -4374,7 +4374,7 @@
           <a:p>
             <a:fld id="{1289DCF8-DDB3-4ED6-91C7-A41042BCCEC0}" type="datetime1">
               <a:rPr lang="en-US" smtClean="0"/>
-              <a:t>11/26/2018</a:t>
+              <a:t>11/27/2018</a:t>
             </a:fld>
             <a:endParaRPr lang="en-US" dirty="0"/>
           </a:p>
@@ -4575,7 +4575,7 @@
           <a:p>
             <a:fld id="{B7D66469-CA9A-4262-8925-C1B460FFD1FE}" type="datetime1">
               <a:rPr lang="en-US" smtClean="0"/>
-              <a:t>11/26/2018</a:t>
+              <a:t>11/27/2018</a:t>
             </a:fld>
             <a:endParaRPr lang="en-US" dirty="0"/>
           </a:p>
@@ -4748,7 +4748,7 @@
           <a:p>
             <a:fld id="{8FFB0B98-420B-4669-A38B-6EA24DD00E40}" type="datetime1">
               <a:rPr lang="en-US" smtClean="0"/>
-              <a:t>11/26/2018</a:t>
+              <a:t>11/27/2018</a:t>
             </a:fld>
             <a:endParaRPr lang="en-US" dirty="0"/>
           </a:p>
@@ -5077,7 +5077,7 @@
           <a:p>
             <a:fld id="{57A84040-A505-4603-8AF8-947AF9A8C6B0}" type="datetime1">
               <a:rPr lang="en-US" smtClean="0"/>
-              <a:t>11/26/2018</a:t>
+              <a:t>11/27/2018</a:t>
             </a:fld>
             <a:endParaRPr lang="en-US" dirty="0"/>
           </a:p>
@@ -5418,7 +5418,7 @@
           <a:p>
             <a:fld id="{C257B495-959E-4C32-9725-73949DB74722}" type="datetime1">
               <a:rPr lang="en-US" smtClean="0"/>
-              <a:t>11/26/2018</a:t>
+              <a:t>11/27/2018</a:t>
             </a:fld>
             <a:endParaRPr lang="en-US" dirty="0"/>
           </a:p>
@@ -7531,7 +7531,7 @@
           <a:p>
             <a:fld id="{FC130E8E-EE4B-4D52-BAF0-F4AA6E538D19}" type="datetime1">
               <a:rPr lang="en-US" smtClean="0"/>
-              <a:t>11/26/2018</a:t>
+              <a:t>11/27/2018</a:t>
             </a:fld>
             <a:endParaRPr lang="en-US" dirty="0"/>
           </a:p>
@@ -8051,7 +8051,7 @@
           <p:cNvPr id="2" name="Title 1">
             <a:extLst>
               <a:ext uri="{FF2B5EF4-FFF2-40B4-BE49-F238E27FC236}">
-                <a16:creationId xmlns:a16="http://schemas.microsoft.com/office/drawing/2014/main" xmlns="" id="{13E98B89-0AC8-4AF8-8E51-2CB8CB9E04D8}"/>
+                <a16:creationId xmlns="" xmlns:a16="http://schemas.microsoft.com/office/drawing/2014/main" id="{13E98B89-0AC8-4AF8-8E51-2CB8CB9E04D8}"/>
               </a:ext>
             </a:extLst>
           </p:cNvPr>
@@ -8079,7 +8079,7 @@
           <p:cNvPr id="3" name="Subtitle 2">
             <a:extLst>
               <a:ext uri="{FF2B5EF4-FFF2-40B4-BE49-F238E27FC236}">
-                <a16:creationId xmlns:a16="http://schemas.microsoft.com/office/drawing/2014/main" xmlns="" id="{9FD722E2-C498-4E60-B7CA-E3B851CB0315}"/>
+                <a16:creationId xmlns="" xmlns:a16="http://schemas.microsoft.com/office/drawing/2014/main" id="{9FD722E2-C498-4E60-B7CA-E3B851CB0315}"/>
               </a:ext>
             </a:extLst>
           </p:cNvPr>
@@ -8104,7 +8104,7 @@
           <p:cNvPr id="4" name="Slide Number Placeholder 3">
             <a:extLst>
               <a:ext uri="{FF2B5EF4-FFF2-40B4-BE49-F238E27FC236}">
-                <a16:creationId xmlns:a16="http://schemas.microsoft.com/office/drawing/2014/main" xmlns="" id="{B56306B9-7F0A-418D-8206-B5F8585FB3ED}"/>
+                <a16:creationId xmlns="" xmlns:a16="http://schemas.microsoft.com/office/drawing/2014/main" id="{B56306B9-7F0A-418D-8206-B5F8585FB3ED}"/>
               </a:ext>
             </a:extLst>
           </p:cNvPr>
@@ -8164,7 +8164,7 @@
           <p:cNvPr id="2" name="Title 1">
             <a:extLst>
               <a:ext uri="{FF2B5EF4-FFF2-40B4-BE49-F238E27FC236}">
-                <a16:creationId xmlns:a16="http://schemas.microsoft.com/office/drawing/2014/main" xmlns="" id="{499DD049-749B-4076-B464-014F8ADDE19C}"/>
+                <a16:creationId xmlns="" xmlns:a16="http://schemas.microsoft.com/office/drawing/2014/main" id="{499DD049-749B-4076-B464-014F8ADDE19C}"/>
               </a:ext>
             </a:extLst>
           </p:cNvPr>
@@ -8193,7 +8193,7 @@
           <p:cNvPr id="3" name="Content Placeholder 2">
             <a:extLst>
               <a:ext uri="{FF2B5EF4-FFF2-40B4-BE49-F238E27FC236}">
-                <a16:creationId xmlns:a16="http://schemas.microsoft.com/office/drawing/2014/main" xmlns="" id="{01E73AF8-E079-4E3C-B6BD-0E836196367F}"/>
+                <a16:creationId xmlns="" xmlns:a16="http://schemas.microsoft.com/office/drawing/2014/main" id="{01E73AF8-E079-4E3C-B6BD-0E836196367F}"/>
               </a:ext>
             </a:extLst>
           </p:cNvPr>
@@ -8244,7 +8244,7 @@
           <p:cNvPr id="4" name="Slide Number Placeholder 3">
             <a:extLst>
               <a:ext uri="{FF2B5EF4-FFF2-40B4-BE49-F238E27FC236}">
-                <a16:creationId xmlns:a16="http://schemas.microsoft.com/office/drawing/2014/main" xmlns="" id="{F641D3F2-75C5-40F6-80C4-E394B00EBE2F}"/>
+                <a16:creationId xmlns="" xmlns:a16="http://schemas.microsoft.com/office/drawing/2014/main" id="{F641D3F2-75C5-40F6-80C4-E394B00EBE2F}"/>
               </a:ext>
             </a:extLst>
           </p:cNvPr>
@@ -8304,7 +8304,7 @@
           <p:cNvPr id="2" name="Title 1">
             <a:extLst>
               <a:ext uri="{FF2B5EF4-FFF2-40B4-BE49-F238E27FC236}">
-                <a16:creationId xmlns:a16="http://schemas.microsoft.com/office/drawing/2014/main" xmlns="" id="{E7B8949F-0B31-4A8B-88CD-BCF7FDCCDC8C}"/>
+                <a16:creationId xmlns="" xmlns:a16="http://schemas.microsoft.com/office/drawing/2014/main" id="{E7B8949F-0B31-4A8B-88CD-BCF7FDCCDC8C}"/>
               </a:ext>
             </a:extLst>
           </p:cNvPr>
@@ -8332,7 +8332,7 @@
           <p:cNvPr id="3" name="Content Placeholder 2">
             <a:extLst>
               <a:ext uri="{FF2B5EF4-FFF2-40B4-BE49-F238E27FC236}">
-                <a16:creationId xmlns:a16="http://schemas.microsoft.com/office/drawing/2014/main" xmlns="" id="{5018D8C8-31EA-4094-A891-253AAD5D26D8}"/>
+                <a16:creationId xmlns="" xmlns:a16="http://schemas.microsoft.com/office/drawing/2014/main" id="{5018D8C8-31EA-4094-A891-253AAD5D26D8}"/>
               </a:ext>
             </a:extLst>
           </p:cNvPr>
@@ -8357,7 +8357,7 @@
           <p:cNvPr id="4" name="Slide Number Placeholder 3">
             <a:extLst>
               <a:ext uri="{FF2B5EF4-FFF2-40B4-BE49-F238E27FC236}">
-                <a16:creationId xmlns:a16="http://schemas.microsoft.com/office/drawing/2014/main" xmlns="" id="{7DEE7B36-887B-4747-AD42-46A4BE37CE1D}"/>
+                <a16:creationId xmlns="" xmlns:a16="http://schemas.microsoft.com/office/drawing/2014/main" id="{7DEE7B36-887B-4747-AD42-46A4BE37CE1D}"/>
               </a:ext>
             </a:extLst>
           </p:cNvPr>
@@ -8417,7 +8417,7 @@
           <p:cNvPr id="2" name="Title 1">
             <a:extLst>
               <a:ext uri="{FF2B5EF4-FFF2-40B4-BE49-F238E27FC236}">
-                <a16:creationId xmlns:a16="http://schemas.microsoft.com/office/drawing/2014/main" xmlns="" id="{CF6EE8FB-D3EC-4DF0-BE35-2EAA1E9F1208}"/>
+                <a16:creationId xmlns="" xmlns:a16="http://schemas.microsoft.com/office/drawing/2014/main" id="{CF6EE8FB-D3EC-4DF0-BE35-2EAA1E9F1208}"/>
               </a:ext>
             </a:extLst>
           </p:cNvPr>
@@ -8445,7 +8445,7 @@
           <p:cNvPr id="3" name="Content Placeholder 2">
             <a:extLst>
               <a:ext uri="{FF2B5EF4-FFF2-40B4-BE49-F238E27FC236}">
-                <a16:creationId xmlns:a16="http://schemas.microsoft.com/office/drawing/2014/main" xmlns="" id="{65B46963-A67E-46F8-8ACF-E50284148EC5}"/>
+                <a16:creationId xmlns="" xmlns:a16="http://schemas.microsoft.com/office/drawing/2014/main" id="{65B46963-A67E-46F8-8ACF-E50284148EC5}"/>
               </a:ext>
             </a:extLst>
           </p:cNvPr>
@@ -8470,7 +8470,7 @@
           <p:cNvPr id="4" name="Slide Number Placeholder 3">
             <a:extLst>
               <a:ext uri="{FF2B5EF4-FFF2-40B4-BE49-F238E27FC236}">
-                <a16:creationId xmlns:a16="http://schemas.microsoft.com/office/drawing/2014/main" xmlns="" id="{4FAAFCB4-B201-4C0B-A29A-0D298A2342C1}"/>
+                <a16:creationId xmlns="" xmlns:a16="http://schemas.microsoft.com/office/drawing/2014/main" id="{4FAAFCB4-B201-4C0B-A29A-0D298A2342C1}"/>
               </a:ext>
             </a:extLst>
           </p:cNvPr>
@@ -8530,7 +8530,7 @@
           <p:cNvPr id="2" name="Title 1">
             <a:extLst>
               <a:ext uri="{FF2B5EF4-FFF2-40B4-BE49-F238E27FC236}">
-                <a16:creationId xmlns:a16="http://schemas.microsoft.com/office/drawing/2014/main" xmlns="" id="{E2708479-A9AB-4BF8-A44B-937AE89AEBFF}"/>
+                <a16:creationId xmlns="" xmlns:a16="http://schemas.microsoft.com/office/drawing/2014/main" id="{E2708479-A9AB-4BF8-A44B-937AE89AEBFF}"/>
               </a:ext>
             </a:extLst>
           </p:cNvPr>
@@ -8558,7 +8558,7 @@
           <p:cNvPr id="3" name="Content Placeholder 2">
             <a:extLst>
               <a:ext uri="{FF2B5EF4-FFF2-40B4-BE49-F238E27FC236}">
-                <a16:creationId xmlns:a16="http://schemas.microsoft.com/office/drawing/2014/main" xmlns="" id="{9B55791B-E2AF-4809-A81A-750947D90409}"/>
+                <a16:creationId xmlns="" xmlns:a16="http://schemas.microsoft.com/office/drawing/2014/main" id="{9B55791B-E2AF-4809-A81A-750947D90409}"/>
               </a:ext>
             </a:extLst>
           </p:cNvPr>
@@ -8600,23 +8600,7 @@
           <a:p>
             <a:r>
               <a:rPr lang="en-US" dirty="0" smtClean="0"/>
-              <a:t>Removed </a:t>
-            </a:r>
-            <a:r>
-              <a:rPr lang="en-US" dirty="0" smtClean="0"/>
-              <a:t>areas that </a:t>
-            </a:r>
-            <a:r>
-              <a:rPr lang="en-US" dirty="0" smtClean="0"/>
-              <a:t>weren</a:t>
-            </a:r>
-            <a:r>
-              <a:rPr lang="en-US" dirty="0" smtClean="0"/>
-              <a:t>’t </a:t>
-            </a:r>
-            <a:r>
-              <a:rPr lang="en-US" dirty="0" smtClean="0"/>
-              <a:t>justified by a user story</a:t>
+              <a:t>Removed areas that weren’t justified by a user story</a:t>
             </a:r>
           </a:p>
           <a:p>
@@ -8629,7 +8613,7 @@
           <p:cNvPr id="4" name="Slide Number Placeholder 3">
             <a:extLst>
               <a:ext uri="{FF2B5EF4-FFF2-40B4-BE49-F238E27FC236}">
-                <a16:creationId xmlns:a16="http://schemas.microsoft.com/office/drawing/2014/main" xmlns="" id="{25F31333-FA60-4DDE-860A-723484BDC712}"/>
+                <a16:creationId xmlns="" xmlns:a16="http://schemas.microsoft.com/office/drawing/2014/main" id="{25F31333-FA60-4DDE-860A-723484BDC712}"/>
               </a:ext>
             </a:extLst>
           </p:cNvPr>
@@ -8797,7 +8781,7 @@
           <p:cNvPr id="2" name="Title 1">
             <a:extLst>
               <a:ext uri="{FF2B5EF4-FFF2-40B4-BE49-F238E27FC236}">
-                <a16:creationId xmlns:a16="http://schemas.microsoft.com/office/drawing/2014/main" xmlns="" id="{D96EBD93-1E0F-4715-BA1C-4AB9A43FEEDE}"/>
+                <a16:creationId xmlns="" xmlns:a16="http://schemas.microsoft.com/office/drawing/2014/main" id="{D96EBD93-1E0F-4715-BA1C-4AB9A43FEEDE}"/>
               </a:ext>
             </a:extLst>
           </p:cNvPr>
@@ -8825,7 +8809,7 @@
           <p:cNvPr id="3" name="Content Placeholder 2">
             <a:extLst>
               <a:ext uri="{FF2B5EF4-FFF2-40B4-BE49-F238E27FC236}">
-                <a16:creationId xmlns:a16="http://schemas.microsoft.com/office/drawing/2014/main" xmlns="" id="{1DAF5560-583E-4CB6-A740-F6B3808FA9A7}"/>
+                <a16:creationId xmlns="" xmlns:a16="http://schemas.microsoft.com/office/drawing/2014/main" id="{1DAF5560-583E-4CB6-A740-F6B3808FA9A7}"/>
               </a:ext>
             </a:extLst>
           </p:cNvPr>
@@ -8850,7 +8834,7 @@
           <p:cNvPr id="4" name="Slide Number Placeholder 3">
             <a:extLst>
               <a:ext uri="{FF2B5EF4-FFF2-40B4-BE49-F238E27FC236}">
-                <a16:creationId xmlns:a16="http://schemas.microsoft.com/office/drawing/2014/main" xmlns="" id="{F2E49AE3-63D3-4DD3-818F-6E7B5C470582}"/>
+                <a16:creationId xmlns="" xmlns:a16="http://schemas.microsoft.com/office/drawing/2014/main" id="{F2E49AE3-63D3-4DD3-818F-6E7B5C470582}"/>
               </a:ext>
             </a:extLst>
           </p:cNvPr>
@@ -8910,7 +8894,7 @@
           <p:cNvPr id="2" name="Title 1">
             <a:extLst>
               <a:ext uri="{FF2B5EF4-FFF2-40B4-BE49-F238E27FC236}">
-                <a16:creationId xmlns:a16="http://schemas.microsoft.com/office/drawing/2014/main" xmlns="" id="{83DFF23D-959A-44BC-BE78-1D0330CDF164}"/>
+                <a16:creationId xmlns="" xmlns:a16="http://schemas.microsoft.com/office/drawing/2014/main" id="{83DFF23D-959A-44BC-BE78-1D0330CDF164}"/>
               </a:ext>
             </a:extLst>
           </p:cNvPr>
@@ -8938,7 +8922,7 @@
           <p:cNvPr id="3" name="Content Placeholder 2">
             <a:extLst>
               <a:ext uri="{FF2B5EF4-FFF2-40B4-BE49-F238E27FC236}">
-                <a16:creationId xmlns:a16="http://schemas.microsoft.com/office/drawing/2014/main" xmlns="" id="{706A48C4-F2C9-48C7-B302-4ADE777DDB2E}"/>
+                <a16:creationId xmlns="" xmlns:a16="http://schemas.microsoft.com/office/drawing/2014/main" id="{706A48C4-F2C9-48C7-B302-4ADE777DDB2E}"/>
               </a:ext>
             </a:extLst>
           </p:cNvPr>
@@ -8963,7 +8947,7 @@
           <p:cNvPr id="4" name="Slide Number Placeholder 3">
             <a:extLst>
               <a:ext uri="{FF2B5EF4-FFF2-40B4-BE49-F238E27FC236}">
-                <a16:creationId xmlns:a16="http://schemas.microsoft.com/office/drawing/2014/main" xmlns="" id="{8BA44F56-3ECD-42B0-A9A9-E5F99872401B}"/>
+                <a16:creationId xmlns="" xmlns:a16="http://schemas.microsoft.com/office/drawing/2014/main" id="{8BA44F56-3ECD-42B0-A9A9-E5F99872401B}"/>
               </a:ext>
             </a:extLst>
           </p:cNvPr>
@@ -9023,7 +9007,7 @@
           <p:cNvPr id="2" name="Title 1">
             <a:extLst>
               <a:ext uri="{FF2B5EF4-FFF2-40B4-BE49-F238E27FC236}">
-                <a16:creationId xmlns:a16="http://schemas.microsoft.com/office/drawing/2014/main" xmlns="" id="{4E96F21E-1AFE-4A04-8BD0-C88D1D2DA52C}"/>
+                <a16:creationId xmlns="" xmlns:a16="http://schemas.microsoft.com/office/drawing/2014/main" id="{4E96F21E-1AFE-4A04-8BD0-C88D1D2DA52C}"/>
               </a:ext>
             </a:extLst>
           </p:cNvPr>
@@ -9051,7 +9035,7 @@
           <p:cNvPr id="3" name="Content Placeholder 2">
             <a:extLst>
               <a:ext uri="{FF2B5EF4-FFF2-40B4-BE49-F238E27FC236}">
-                <a16:creationId xmlns:a16="http://schemas.microsoft.com/office/drawing/2014/main" xmlns="" id="{C6D9C712-7144-4100-BCDB-F2CFAF7A1F31}"/>
+                <a16:creationId xmlns="" xmlns:a16="http://schemas.microsoft.com/office/drawing/2014/main" id="{C6D9C712-7144-4100-BCDB-F2CFAF7A1F31}"/>
               </a:ext>
             </a:extLst>
           </p:cNvPr>
@@ -9076,7 +9060,7 @@
           <p:cNvPr id="4" name="Slide Number Placeholder 3">
             <a:extLst>
               <a:ext uri="{FF2B5EF4-FFF2-40B4-BE49-F238E27FC236}">
-                <a16:creationId xmlns:a16="http://schemas.microsoft.com/office/drawing/2014/main" xmlns="" id="{ABDB7F91-3EE4-476A-9661-1648C797CBD1}"/>
+                <a16:creationId xmlns="" xmlns:a16="http://schemas.microsoft.com/office/drawing/2014/main" id="{ABDB7F91-3EE4-476A-9661-1648C797CBD1}"/>
               </a:ext>
             </a:extLst>
           </p:cNvPr>
@@ -9136,7 +9120,7 @@
           <p:cNvPr id="2" name="Title 1">
             <a:extLst>
               <a:ext uri="{FF2B5EF4-FFF2-40B4-BE49-F238E27FC236}">
-                <a16:creationId xmlns:a16="http://schemas.microsoft.com/office/drawing/2014/main" xmlns="" id="{1183D399-4942-4C83-BF24-B436160EB419}"/>
+                <a16:creationId xmlns="" xmlns:a16="http://schemas.microsoft.com/office/drawing/2014/main" id="{1183D399-4942-4C83-BF24-B436160EB419}"/>
               </a:ext>
             </a:extLst>
           </p:cNvPr>
@@ -9164,7 +9148,7 @@
           <p:cNvPr id="3" name="Content Placeholder 2">
             <a:extLst>
               <a:ext uri="{FF2B5EF4-FFF2-40B4-BE49-F238E27FC236}">
-                <a16:creationId xmlns:a16="http://schemas.microsoft.com/office/drawing/2014/main" xmlns="" id="{0DD74EA9-167B-4010-AF9E-BA2A7445C522}"/>
+                <a16:creationId xmlns="" xmlns:a16="http://schemas.microsoft.com/office/drawing/2014/main" id="{0DD74EA9-167B-4010-AF9E-BA2A7445C522}"/>
               </a:ext>
             </a:extLst>
           </p:cNvPr>
@@ -9189,7 +9173,7 @@
           <p:cNvPr id="4" name="Slide Number Placeholder 3">
             <a:extLst>
               <a:ext uri="{FF2B5EF4-FFF2-40B4-BE49-F238E27FC236}">
-                <a16:creationId xmlns:a16="http://schemas.microsoft.com/office/drawing/2014/main" xmlns="" id="{54E49C07-2ECF-4660-8582-3A662CD53904}"/>
+                <a16:creationId xmlns="" xmlns:a16="http://schemas.microsoft.com/office/drawing/2014/main" id="{54E49C07-2ECF-4660-8582-3A662CD53904}"/>
               </a:ext>
             </a:extLst>
           </p:cNvPr>
@@ -9249,7 +9233,7 @@
           <p:cNvPr id="2" name="Title 1">
             <a:extLst>
               <a:ext uri="{FF2B5EF4-FFF2-40B4-BE49-F238E27FC236}">
-                <a16:creationId xmlns:a16="http://schemas.microsoft.com/office/drawing/2014/main" xmlns="" id="{AB1A53DB-70FB-432D-BCAF-DCFBCCE6B023}"/>
+                <a16:creationId xmlns="" xmlns:a16="http://schemas.microsoft.com/office/drawing/2014/main" id="{AB1A53DB-70FB-432D-BCAF-DCFBCCE6B023}"/>
               </a:ext>
             </a:extLst>
           </p:cNvPr>
@@ -9281,7 +9265,7 @@
           <p:cNvPr id="3" name="Content Placeholder 2">
             <a:extLst>
               <a:ext uri="{FF2B5EF4-FFF2-40B4-BE49-F238E27FC236}">
-                <a16:creationId xmlns:a16="http://schemas.microsoft.com/office/drawing/2014/main" xmlns="" id="{A6866161-0CFB-4603-9213-EC107AF2D1E8}"/>
+                <a16:creationId xmlns="" xmlns:a16="http://schemas.microsoft.com/office/drawing/2014/main" id="{A6866161-0CFB-4603-9213-EC107AF2D1E8}"/>
               </a:ext>
             </a:extLst>
           </p:cNvPr>
@@ -9313,15 +9297,7 @@
           <a:p>
             <a:r>
               <a:rPr lang="en-US" dirty="0" smtClean="0"/>
-              <a:t>Implemented </a:t>
-            </a:r>
-            <a:r>
-              <a:rPr lang="en-US" dirty="0" smtClean="0"/>
-              <a:t>drawing a </a:t>
-            </a:r>
-            <a:r>
-              <a:rPr lang="en-US" dirty="0" smtClean="0"/>
-              <a:t>map</a:t>
+              <a:t>Implemented drawing a map</a:t>
             </a:r>
           </a:p>
           <a:p>
@@ -9342,7 +9318,6 @@
               <a:rPr lang="en-US" dirty="0" smtClean="0"/>
               <a:t>Refining large map into a rectangular shaped map in direction phone is pointing</a:t>
             </a:r>
-            <a:endParaRPr lang="en-US" dirty="0" smtClean="0"/>
           </a:p>
           <a:p>
             <a:pPr lvl="1"/>
@@ -9350,7 +9325,6 @@
               <a:rPr lang="en-US" dirty="0" smtClean="0"/>
               <a:t>Drawing markers for landmarks in refined map</a:t>
             </a:r>
-            <a:endParaRPr lang="en-US" dirty="0" smtClean="0"/>
           </a:p>
           <a:p>
             <a:pPr lvl="1"/>
@@ -9365,7 +9339,6 @@
               <a:rPr lang="en-US" dirty="0" smtClean="0"/>
               <a:t>Retrieving location data from refined map</a:t>
             </a:r>
-            <a:endParaRPr lang="en-US" dirty="0" smtClean="0"/>
           </a:p>
           <a:p>
             <a:endParaRPr lang="en-US" dirty="0"/>
@@ -9377,7 +9350,7 @@
           <p:cNvPr id="4" name="Slide Number Placeholder 3">
             <a:extLst>
               <a:ext uri="{FF2B5EF4-FFF2-40B4-BE49-F238E27FC236}">
-                <a16:creationId xmlns:a16="http://schemas.microsoft.com/office/drawing/2014/main" xmlns="" id="{46B07E3D-35B9-4761-9561-21093A66968A}"/>
+                <a16:creationId xmlns="" xmlns:a16="http://schemas.microsoft.com/office/drawing/2014/main" id="{46B07E3D-35B9-4761-9561-21093A66968A}"/>
               </a:ext>
             </a:extLst>
           </p:cNvPr>
@@ -9437,7 +9410,7 @@
           <p:cNvPr id="2" name="Title 1">
             <a:extLst>
               <a:ext uri="{FF2B5EF4-FFF2-40B4-BE49-F238E27FC236}">
-                <a16:creationId xmlns:a16="http://schemas.microsoft.com/office/drawing/2014/main" xmlns="" id="{A9659006-5658-41C1-A6C3-449E86D35AC0}"/>
+                <a16:creationId xmlns="" xmlns:a16="http://schemas.microsoft.com/office/drawing/2014/main" id="{A9659006-5658-41C1-A6C3-449E86D35AC0}"/>
               </a:ext>
             </a:extLst>
           </p:cNvPr>
@@ -9465,7 +9438,7 @@
           <p:cNvPr id="3" name="Content Placeholder 2">
             <a:extLst>
               <a:ext uri="{FF2B5EF4-FFF2-40B4-BE49-F238E27FC236}">
-                <a16:creationId xmlns:a16="http://schemas.microsoft.com/office/drawing/2014/main" xmlns="" id="{73DD2599-6704-444D-B198-A61017C68022}"/>
+                <a16:creationId xmlns="" xmlns:a16="http://schemas.microsoft.com/office/drawing/2014/main" id="{73DD2599-6704-444D-B198-A61017C68022}"/>
               </a:ext>
             </a:extLst>
           </p:cNvPr>
@@ -9483,8 +9456,48 @@
           <a:p>
             <a:r>
               <a:rPr lang="en-US" dirty="0"/>
-              <a:t>Kickstart development on Landmarked Core Functionality and supporting technologies for future development.</a:t>
-            </a:r>
+              <a:t>Kickstart development on Landmarked Core Functionality and supporting technologies for future development</a:t>
+            </a:r>
+            <a:r>
+              <a:rPr lang="en-US" dirty="0" smtClean="0"/>
+              <a:t>.</a:t>
+            </a:r>
+          </a:p>
+          <a:p>
+            <a:r>
+              <a:rPr lang="en-US" dirty="0" smtClean="0"/>
+              <a:t>Develop an algorithm that will get coordinates for drawing our maps</a:t>
+            </a:r>
+          </a:p>
+          <a:p>
+            <a:r>
+              <a:rPr lang="en-US" dirty="0" smtClean="0"/>
+              <a:t>Design a GUI around our user stories</a:t>
+            </a:r>
+            <a:endParaRPr lang="en-US" dirty="0"/>
+          </a:p>
+          <a:p>
+            <a:r>
+              <a:rPr lang="en-US" dirty="0" smtClean="0"/>
+              <a:t>Configure </a:t>
+            </a:r>
+            <a:r>
+              <a:rPr lang="en-US" dirty="0" err="1" smtClean="0"/>
+              <a:t>Mapbox</a:t>
+            </a:r>
+            <a:r>
+              <a:rPr lang="en-US" dirty="0" smtClean="0"/>
+              <a:t> API</a:t>
+            </a:r>
+          </a:p>
+          <a:p>
+            <a:r>
+              <a:rPr lang="en-US" dirty="0" smtClean="0"/>
+              <a:t>Retrieve data from hardware sensors</a:t>
+            </a:r>
+          </a:p>
+          <a:p>
+            <a:endParaRPr lang="en-US" dirty="0" smtClean="0"/>
           </a:p>
         </p:txBody>
       </p:sp>
@@ -9493,7 +9506,7 @@
           <p:cNvPr id="4" name="Slide Number Placeholder 3">
             <a:extLst>
               <a:ext uri="{FF2B5EF4-FFF2-40B4-BE49-F238E27FC236}">
-                <a16:creationId xmlns:a16="http://schemas.microsoft.com/office/drawing/2014/main" xmlns="" id="{1648D571-E13E-4175-B1E8-3DF13ABB935A}"/>
+                <a16:creationId xmlns="" xmlns:a16="http://schemas.microsoft.com/office/drawing/2014/main" id="{1648D571-E13E-4175-B1E8-3DF13ABB935A}"/>
               </a:ext>
             </a:extLst>
           </p:cNvPr>
@@ -9553,7 +9566,7 @@
           <p:cNvPr id="2" name="Title 1">
             <a:extLst>
               <a:ext uri="{FF2B5EF4-FFF2-40B4-BE49-F238E27FC236}">
-                <a16:creationId xmlns:a16="http://schemas.microsoft.com/office/drawing/2014/main" xmlns="" id="{F2AB9014-8A31-4680-8991-595A8A0A7749}"/>
+                <a16:creationId xmlns="" xmlns:a16="http://schemas.microsoft.com/office/drawing/2014/main" id="{F2AB9014-8A31-4680-8991-595A8A0A7749}"/>
               </a:ext>
             </a:extLst>
           </p:cNvPr>
@@ -9581,7 +9594,7 @@
           <p:cNvPr id="3" name="Content Placeholder 2">
             <a:extLst>
               <a:ext uri="{FF2B5EF4-FFF2-40B4-BE49-F238E27FC236}">
-                <a16:creationId xmlns:a16="http://schemas.microsoft.com/office/drawing/2014/main" xmlns="" id="{943385D6-20E6-41CB-94E2-C41E10317A02}"/>
+                <a16:creationId xmlns="" xmlns:a16="http://schemas.microsoft.com/office/drawing/2014/main" id="{943385D6-20E6-41CB-94E2-C41E10317A02}"/>
               </a:ext>
             </a:extLst>
           </p:cNvPr>
@@ -9606,7 +9619,7 @@
           <p:cNvPr id="4" name="Slide Number Placeholder 3">
             <a:extLst>
               <a:ext uri="{FF2B5EF4-FFF2-40B4-BE49-F238E27FC236}">
-                <a16:creationId xmlns:a16="http://schemas.microsoft.com/office/drawing/2014/main" xmlns="" id="{D85744C6-A06A-4F75-9D77-276BE5D6962F}"/>
+                <a16:creationId xmlns="" xmlns:a16="http://schemas.microsoft.com/office/drawing/2014/main" id="{D85744C6-A06A-4F75-9D77-276BE5D6962F}"/>
               </a:ext>
             </a:extLst>
           </p:cNvPr>
@@ -9666,7 +9679,7 @@
           <p:cNvPr id="2" name="Title 1">
             <a:extLst>
               <a:ext uri="{FF2B5EF4-FFF2-40B4-BE49-F238E27FC236}">
-                <a16:creationId xmlns:a16="http://schemas.microsoft.com/office/drawing/2014/main" xmlns="" id="{E745B5BA-CEC8-422E-982B-F8BC98723754}"/>
+                <a16:creationId xmlns="" xmlns:a16="http://schemas.microsoft.com/office/drawing/2014/main" id="{E745B5BA-CEC8-422E-982B-F8BC98723754}"/>
               </a:ext>
             </a:extLst>
           </p:cNvPr>
@@ -9694,7 +9707,7 @@
           <p:cNvPr id="3" name="Content Placeholder 2">
             <a:extLst>
               <a:ext uri="{FF2B5EF4-FFF2-40B4-BE49-F238E27FC236}">
-                <a16:creationId xmlns:a16="http://schemas.microsoft.com/office/drawing/2014/main" xmlns="" id="{737908CF-DFCF-479E-B76A-2140E612B90F}"/>
+                <a16:creationId xmlns="" xmlns:a16="http://schemas.microsoft.com/office/drawing/2014/main" id="{737908CF-DFCF-479E-B76A-2140E612B90F}"/>
               </a:ext>
             </a:extLst>
           </p:cNvPr>
@@ -9719,7 +9732,7 @@
           <p:cNvPr id="4" name="Slide Number Placeholder 3">
             <a:extLst>
               <a:ext uri="{FF2B5EF4-FFF2-40B4-BE49-F238E27FC236}">
-                <a16:creationId xmlns:a16="http://schemas.microsoft.com/office/drawing/2014/main" xmlns="" id="{DF8C3242-F7F3-4B6D-BE97-C08D1A7EC84D}"/>
+                <a16:creationId xmlns="" xmlns:a16="http://schemas.microsoft.com/office/drawing/2014/main" id="{DF8C3242-F7F3-4B6D-BE97-C08D1A7EC84D}"/>
               </a:ext>
             </a:extLst>
           </p:cNvPr>
@@ -9779,7 +9792,7 @@
           <p:cNvPr id="2" name="Title 1">
             <a:extLst>
               <a:ext uri="{FF2B5EF4-FFF2-40B4-BE49-F238E27FC236}">
-                <a16:creationId xmlns:a16="http://schemas.microsoft.com/office/drawing/2014/main" xmlns="" id="{0925D358-7D77-482A-BA62-AF4AAB8E726F}"/>
+                <a16:creationId xmlns="" xmlns:a16="http://schemas.microsoft.com/office/drawing/2014/main" id="{0925D358-7D77-482A-BA62-AF4AAB8E726F}"/>
               </a:ext>
             </a:extLst>
           </p:cNvPr>
@@ -9807,7 +9820,7 @@
           <p:cNvPr id="3" name="Content Placeholder 2">
             <a:extLst>
               <a:ext uri="{FF2B5EF4-FFF2-40B4-BE49-F238E27FC236}">
-                <a16:creationId xmlns:a16="http://schemas.microsoft.com/office/drawing/2014/main" xmlns="" id="{6A41BCA7-F42D-4C14-9EE3-C0604BD1C8ED}"/>
+                <a16:creationId xmlns="" xmlns:a16="http://schemas.microsoft.com/office/drawing/2014/main" id="{6A41BCA7-F42D-4C14-9EE3-C0604BD1C8ED}"/>
               </a:ext>
             </a:extLst>
           </p:cNvPr>
@@ -9832,7 +9845,7 @@
           <p:cNvPr id="4" name="Slide Number Placeholder 3">
             <a:extLst>
               <a:ext uri="{FF2B5EF4-FFF2-40B4-BE49-F238E27FC236}">
-                <a16:creationId xmlns:a16="http://schemas.microsoft.com/office/drawing/2014/main" xmlns="" id="{BB4882C3-32B5-455C-9E1C-9DBFC4D3EA7C}"/>
+                <a16:creationId xmlns="" xmlns:a16="http://schemas.microsoft.com/office/drawing/2014/main" id="{BB4882C3-32B5-455C-9E1C-9DBFC4D3EA7C}"/>
               </a:ext>
             </a:extLst>
           </p:cNvPr>
@@ -9892,7 +9905,7 @@
           <p:cNvPr id="2" name="Title 1">
             <a:extLst>
               <a:ext uri="{FF2B5EF4-FFF2-40B4-BE49-F238E27FC236}">
-                <a16:creationId xmlns:a16="http://schemas.microsoft.com/office/drawing/2014/main" xmlns="" id="{AD0AB5FE-C138-421F-92EE-1844FDF7256A}"/>
+                <a16:creationId xmlns="" xmlns:a16="http://schemas.microsoft.com/office/drawing/2014/main" id="{AD0AB5FE-C138-421F-92EE-1844FDF7256A}"/>
               </a:ext>
             </a:extLst>
           </p:cNvPr>
@@ -9920,7 +9933,7 @@
           <p:cNvPr id="3" name="Content Placeholder 2">
             <a:extLst>
               <a:ext uri="{FF2B5EF4-FFF2-40B4-BE49-F238E27FC236}">
-                <a16:creationId xmlns:a16="http://schemas.microsoft.com/office/drawing/2014/main" xmlns="" id="{903C4FAD-1519-4538-BD82-6A08BE138CB6}"/>
+                <a16:creationId xmlns="" xmlns:a16="http://schemas.microsoft.com/office/drawing/2014/main" id="{903C4FAD-1519-4538-BD82-6A08BE138CB6}"/>
               </a:ext>
             </a:extLst>
           </p:cNvPr>
@@ -9945,7 +9958,7 @@
           <p:cNvPr id="4" name="Slide Number Placeholder 3">
             <a:extLst>
               <a:ext uri="{FF2B5EF4-FFF2-40B4-BE49-F238E27FC236}">
-                <a16:creationId xmlns:a16="http://schemas.microsoft.com/office/drawing/2014/main" xmlns="" id="{2D0C1AF0-2A5F-49B5-B744-94150C0B7BD5}"/>
+                <a16:creationId xmlns="" xmlns:a16="http://schemas.microsoft.com/office/drawing/2014/main" id="{2D0C1AF0-2A5F-49B5-B744-94150C0B7BD5}"/>
               </a:ext>
             </a:extLst>
           </p:cNvPr>
@@ -10005,7 +10018,7 @@
           <p:cNvPr id="2" name="Title 1">
             <a:extLst>
               <a:ext uri="{FF2B5EF4-FFF2-40B4-BE49-F238E27FC236}">
-                <a16:creationId xmlns:a16="http://schemas.microsoft.com/office/drawing/2014/main" xmlns="" id="{5DE1D604-AE0D-4070-84FA-E88517FF5DFF}"/>
+                <a16:creationId xmlns="" xmlns:a16="http://schemas.microsoft.com/office/drawing/2014/main" id="{5DE1D604-AE0D-4070-84FA-E88517FF5DFF}"/>
               </a:ext>
             </a:extLst>
           </p:cNvPr>
@@ -10033,7 +10046,7 @@
           <p:cNvPr id="3" name="Content Placeholder 2">
             <a:extLst>
               <a:ext uri="{FF2B5EF4-FFF2-40B4-BE49-F238E27FC236}">
-                <a16:creationId xmlns:a16="http://schemas.microsoft.com/office/drawing/2014/main" xmlns="" id="{E38BF89C-DFBF-421E-A964-AE3C9E1FC370}"/>
+                <a16:creationId xmlns="" xmlns:a16="http://schemas.microsoft.com/office/drawing/2014/main" id="{E38BF89C-DFBF-421E-A964-AE3C9E1FC370}"/>
               </a:ext>
             </a:extLst>
           </p:cNvPr>
@@ -10058,7 +10071,7 @@
           <p:cNvPr id="4" name="Slide Number Placeholder 3">
             <a:extLst>
               <a:ext uri="{FF2B5EF4-FFF2-40B4-BE49-F238E27FC236}">
-                <a16:creationId xmlns:a16="http://schemas.microsoft.com/office/drawing/2014/main" xmlns="" id="{6DD83CE4-B7F7-4E5E-9EA9-93BC3E139089}"/>
+                <a16:creationId xmlns="" xmlns:a16="http://schemas.microsoft.com/office/drawing/2014/main" id="{6DD83CE4-B7F7-4E5E-9EA9-93BC3E139089}"/>
               </a:ext>
             </a:extLst>
           </p:cNvPr>
@@ -10118,7 +10131,7 @@
           <p:cNvPr id="2" name="Title 1">
             <a:extLst>
               <a:ext uri="{FF2B5EF4-FFF2-40B4-BE49-F238E27FC236}">
-                <a16:creationId xmlns:a16="http://schemas.microsoft.com/office/drawing/2014/main" xmlns="" id="{F2D35386-6553-4F40-B13E-39127AE27598}"/>
+                <a16:creationId xmlns="" xmlns:a16="http://schemas.microsoft.com/office/drawing/2014/main" id="{F2D35386-6553-4F40-B13E-39127AE27598}"/>
               </a:ext>
             </a:extLst>
           </p:cNvPr>
@@ -10146,7 +10159,7 @@
           <p:cNvPr id="3" name="Content Placeholder 2">
             <a:extLst>
               <a:ext uri="{FF2B5EF4-FFF2-40B4-BE49-F238E27FC236}">
-                <a16:creationId xmlns:a16="http://schemas.microsoft.com/office/drawing/2014/main" xmlns="" id="{B215CA30-6357-4A93-9C6E-ABDCF65F48B0}"/>
+                <a16:creationId xmlns="" xmlns:a16="http://schemas.microsoft.com/office/drawing/2014/main" id="{B215CA30-6357-4A93-9C6E-ABDCF65F48B0}"/>
               </a:ext>
             </a:extLst>
           </p:cNvPr>
@@ -10227,7 +10240,7 @@
           <p:cNvPr id="4" name="Slide Number Placeholder 3">
             <a:extLst>
               <a:ext uri="{FF2B5EF4-FFF2-40B4-BE49-F238E27FC236}">
-                <a16:creationId xmlns:a16="http://schemas.microsoft.com/office/drawing/2014/main" xmlns="" id="{367A8BEF-7F6E-4089-833F-9809F9A867A4}"/>
+                <a16:creationId xmlns="" xmlns:a16="http://schemas.microsoft.com/office/drawing/2014/main" id="{367A8BEF-7F6E-4089-833F-9809F9A867A4}"/>
               </a:ext>
             </a:extLst>
           </p:cNvPr>
@@ -10287,7 +10300,7 @@
           <p:cNvPr id="2" name="Title 1">
             <a:extLst>
               <a:ext uri="{FF2B5EF4-FFF2-40B4-BE49-F238E27FC236}">
-                <a16:creationId xmlns:a16="http://schemas.microsoft.com/office/drawing/2014/main" xmlns="" id="{5199C9B0-06E2-410E-8DDA-ABF5228032EA}"/>
+                <a16:creationId xmlns="" xmlns:a16="http://schemas.microsoft.com/office/drawing/2014/main" id="{5199C9B0-06E2-410E-8DDA-ABF5228032EA}"/>
               </a:ext>
             </a:extLst>
           </p:cNvPr>
@@ -10315,7 +10328,7 @@
           <p:cNvPr id="3" name="Content Placeholder 2">
             <a:extLst>
               <a:ext uri="{FF2B5EF4-FFF2-40B4-BE49-F238E27FC236}">
-                <a16:creationId xmlns:a16="http://schemas.microsoft.com/office/drawing/2014/main" xmlns="" id="{0EA9F7AB-C9CE-47FF-B6ED-B5BF71D63066}"/>
+                <a16:creationId xmlns="" xmlns:a16="http://schemas.microsoft.com/office/drawing/2014/main" id="{0EA9F7AB-C9CE-47FF-B6ED-B5BF71D63066}"/>
               </a:ext>
             </a:extLst>
           </p:cNvPr>
@@ -10340,7 +10353,7 @@
           <p:cNvPr id="4" name="Slide Number Placeholder 3">
             <a:extLst>
               <a:ext uri="{FF2B5EF4-FFF2-40B4-BE49-F238E27FC236}">
-                <a16:creationId xmlns:a16="http://schemas.microsoft.com/office/drawing/2014/main" xmlns="" id="{41E5440E-F403-4B49-B638-14435F8F2B1D}"/>
+                <a16:creationId xmlns="" xmlns:a16="http://schemas.microsoft.com/office/drawing/2014/main" id="{41E5440E-F403-4B49-B638-14435F8F2B1D}"/>
               </a:ext>
             </a:extLst>
           </p:cNvPr>
@@ -10400,7 +10413,7 @@
           <p:cNvPr id="2" name="Title 1">
             <a:extLst>
               <a:ext uri="{FF2B5EF4-FFF2-40B4-BE49-F238E27FC236}">
-                <a16:creationId xmlns:a16="http://schemas.microsoft.com/office/drawing/2014/main" xmlns="" id="{B42A0C66-3F52-409A-9CE7-5570CF118EC1}"/>
+                <a16:creationId xmlns="" xmlns:a16="http://schemas.microsoft.com/office/drawing/2014/main" id="{B42A0C66-3F52-409A-9CE7-5570CF118EC1}"/>
               </a:ext>
             </a:extLst>
           </p:cNvPr>
@@ -10428,7 +10441,7 @@
           <p:cNvPr id="3" name="Content Placeholder 2">
             <a:extLst>
               <a:ext uri="{FF2B5EF4-FFF2-40B4-BE49-F238E27FC236}">
-                <a16:creationId xmlns:a16="http://schemas.microsoft.com/office/drawing/2014/main" xmlns="" id="{453B0361-81CA-4B36-98AD-8CDC7D18FD88}"/>
+                <a16:creationId xmlns="" xmlns:a16="http://schemas.microsoft.com/office/drawing/2014/main" id="{453B0361-81CA-4B36-98AD-8CDC7D18FD88}"/>
               </a:ext>
             </a:extLst>
           </p:cNvPr>
@@ -10483,7 +10496,7 @@
           <p:cNvPr id="4" name="Slide Number Placeholder 3">
             <a:extLst>
               <a:ext uri="{FF2B5EF4-FFF2-40B4-BE49-F238E27FC236}">
-                <a16:creationId xmlns:a16="http://schemas.microsoft.com/office/drawing/2014/main" xmlns="" id="{68400699-93C1-43CE-9C6D-F2E00C8FCA2F}"/>
+                <a16:creationId xmlns="" xmlns:a16="http://schemas.microsoft.com/office/drawing/2014/main" id="{68400699-93C1-43CE-9C6D-F2E00C8FCA2F}"/>
               </a:ext>
             </a:extLst>
           </p:cNvPr>
@@ -10543,7 +10556,7 @@
           <p:cNvPr id="2" name="Title 1">
             <a:extLst>
               <a:ext uri="{FF2B5EF4-FFF2-40B4-BE49-F238E27FC236}">
-                <a16:creationId xmlns:a16="http://schemas.microsoft.com/office/drawing/2014/main" xmlns="" id="{97A51132-5F7C-4458-A7CA-40C03DC63E1A}"/>
+                <a16:creationId xmlns="" xmlns:a16="http://schemas.microsoft.com/office/drawing/2014/main" id="{97A51132-5F7C-4458-A7CA-40C03DC63E1A}"/>
               </a:ext>
             </a:extLst>
           </p:cNvPr>
@@ -10579,7 +10592,7 @@
           <p:cNvPr id="3" name="Content Placeholder 2">
             <a:extLst>
               <a:ext uri="{FF2B5EF4-FFF2-40B4-BE49-F238E27FC236}">
-                <a16:creationId xmlns:a16="http://schemas.microsoft.com/office/drawing/2014/main" xmlns="" id="{AC52C316-830D-462A-8F67-9BA0E80F4A72}"/>
+                <a16:creationId xmlns="" xmlns:a16="http://schemas.microsoft.com/office/drawing/2014/main" id="{AC52C316-830D-462A-8F67-9BA0E80F4A72}"/>
               </a:ext>
             </a:extLst>
           </p:cNvPr>
@@ -10628,7 +10641,7 @@
           <p:cNvPr id="4" name="Slide Number Placeholder 3">
             <a:extLst>
               <a:ext uri="{FF2B5EF4-FFF2-40B4-BE49-F238E27FC236}">
-                <a16:creationId xmlns:a16="http://schemas.microsoft.com/office/drawing/2014/main" xmlns="" id="{7DC007F5-0198-4CE9-837A-8E4EBDFB3638}"/>
+                <a16:creationId xmlns="" xmlns:a16="http://schemas.microsoft.com/office/drawing/2014/main" id="{7DC007F5-0198-4CE9-837A-8E4EBDFB3638}"/>
               </a:ext>
             </a:extLst>
           </p:cNvPr>
@@ -10688,7 +10701,7 @@
           <p:cNvPr id="2" name="Title 1">
             <a:extLst>
               <a:ext uri="{FF2B5EF4-FFF2-40B4-BE49-F238E27FC236}">
-                <a16:creationId xmlns:a16="http://schemas.microsoft.com/office/drawing/2014/main" xmlns="" id="{8B25CC60-678F-4ABC-A286-B6474D7DA369}"/>
+                <a16:creationId xmlns="" xmlns:a16="http://schemas.microsoft.com/office/drawing/2014/main" id="{8B25CC60-678F-4ABC-A286-B6474D7DA369}"/>
               </a:ext>
             </a:extLst>
           </p:cNvPr>
@@ -10724,7 +10737,7 @@
           <p:cNvPr id="3" name="Content Placeholder 2">
             <a:extLst>
               <a:ext uri="{FF2B5EF4-FFF2-40B4-BE49-F238E27FC236}">
-                <a16:creationId xmlns:a16="http://schemas.microsoft.com/office/drawing/2014/main" xmlns="" id="{A4A95409-D15F-4ACF-B8E2-B483B69F471C}"/>
+                <a16:creationId xmlns="" xmlns:a16="http://schemas.microsoft.com/office/drawing/2014/main" id="{A4A95409-D15F-4ACF-B8E2-B483B69F471C}"/>
               </a:ext>
             </a:extLst>
           </p:cNvPr>
@@ -10778,7 +10791,7 @@
           <p:cNvPr id="4" name="Slide Number Placeholder 3">
             <a:extLst>
               <a:ext uri="{FF2B5EF4-FFF2-40B4-BE49-F238E27FC236}">
-                <a16:creationId xmlns:a16="http://schemas.microsoft.com/office/drawing/2014/main" xmlns="" id="{2E8DA2EF-A6B0-4094-B638-5C0BABA0F1E5}"/>
+                <a16:creationId xmlns="" xmlns:a16="http://schemas.microsoft.com/office/drawing/2014/main" id="{2E8DA2EF-A6B0-4094-B638-5C0BABA0F1E5}"/>
               </a:ext>
             </a:extLst>
           </p:cNvPr>
@@ -10838,7 +10851,7 @@
           <p:cNvPr id="2" name="Title 1">
             <a:extLst>
               <a:ext uri="{FF2B5EF4-FFF2-40B4-BE49-F238E27FC236}">
-                <a16:creationId xmlns:a16="http://schemas.microsoft.com/office/drawing/2014/main" xmlns="" id="{48FF45B5-D5FA-460B-991C-2FA108E3A3F1}"/>
+                <a16:creationId xmlns="" xmlns:a16="http://schemas.microsoft.com/office/drawing/2014/main" id="{48FF45B5-D5FA-460B-991C-2FA108E3A3F1}"/>
               </a:ext>
             </a:extLst>
           </p:cNvPr>
@@ -10874,7 +10887,7 @@
           <p:cNvPr id="3" name="Content Placeholder 2">
             <a:extLst>
               <a:ext uri="{FF2B5EF4-FFF2-40B4-BE49-F238E27FC236}">
-                <a16:creationId xmlns:a16="http://schemas.microsoft.com/office/drawing/2014/main" xmlns="" id="{E78EFE23-8489-47D3-809F-724D797C3D7A}"/>
+                <a16:creationId xmlns="" xmlns:a16="http://schemas.microsoft.com/office/drawing/2014/main" id="{E78EFE23-8489-47D3-809F-724D797C3D7A}"/>
               </a:ext>
             </a:extLst>
           </p:cNvPr>
@@ -10939,7 +10952,7 @@
           <p:cNvPr id="4" name="Slide Number Placeholder 3">
             <a:extLst>
               <a:ext uri="{FF2B5EF4-FFF2-40B4-BE49-F238E27FC236}">
-                <a16:creationId xmlns:a16="http://schemas.microsoft.com/office/drawing/2014/main" xmlns="" id="{7DB99A5F-00D7-4971-A7FF-A69FAA2A03B7}"/>
+                <a16:creationId xmlns="" xmlns:a16="http://schemas.microsoft.com/office/drawing/2014/main" id="{7DB99A5F-00D7-4971-A7FF-A69FAA2A03B7}"/>
               </a:ext>
             </a:extLst>
           </p:cNvPr>
@@ -10999,7 +11012,7 @@
           <p:cNvPr id="2" name="Title 1">
             <a:extLst>
               <a:ext uri="{FF2B5EF4-FFF2-40B4-BE49-F238E27FC236}">
-                <a16:creationId xmlns:a16="http://schemas.microsoft.com/office/drawing/2014/main" xmlns="" id="{FAB11C2D-EE05-4A0B-8CD0-4ED2F65CAE8A}"/>
+                <a16:creationId xmlns="" xmlns:a16="http://schemas.microsoft.com/office/drawing/2014/main" id="{FAB11C2D-EE05-4A0B-8CD0-4ED2F65CAE8A}"/>
               </a:ext>
             </a:extLst>
           </p:cNvPr>
@@ -11027,7 +11040,7 @@
           <p:cNvPr id="3" name="Content Placeholder 2">
             <a:extLst>
               <a:ext uri="{FF2B5EF4-FFF2-40B4-BE49-F238E27FC236}">
-                <a16:creationId xmlns:a16="http://schemas.microsoft.com/office/drawing/2014/main" xmlns="" id="{76C92324-9BA2-4470-8199-AB38945929FA}"/>
+                <a16:creationId xmlns="" xmlns:a16="http://schemas.microsoft.com/office/drawing/2014/main" id="{76C92324-9BA2-4470-8199-AB38945929FA}"/>
               </a:ext>
             </a:extLst>
           </p:cNvPr>
@@ -11052,7 +11065,7 @@
           <p:cNvPr id="4" name="Slide Number Placeholder 3">
             <a:extLst>
               <a:ext uri="{FF2B5EF4-FFF2-40B4-BE49-F238E27FC236}">
-                <a16:creationId xmlns:a16="http://schemas.microsoft.com/office/drawing/2014/main" xmlns="" id="{20D3C6AF-E7A8-4C54-8F7F-CCCED9070700}"/>
+                <a16:creationId xmlns="" xmlns:a16="http://schemas.microsoft.com/office/drawing/2014/main" id="{20D3C6AF-E7A8-4C54-8F7F-CCCED9070700}"/>
               </a:ext>
             </a:extLst>
           </p:cNvPr>
@@ -11327,7 +11340,7 @@
   <a:extraClrSchemeLst/>
   <a:extLst>
     <a:ext uri="{05A4C25C-085E-4340-85A3-A5531E510DB2}">
-      <thm15:themeFamily xmlns:thm15="http://schemas.microsoft.com/office/thememl/2012/main" xmlns="" name="Wisp" id="{7CB32D59-10C0-40DD-B7BD-2E94284A981C}" vid="{24B1A44C-C006-48B2-A4D7-E5549B3D8CD4}"/>
+      <thm15:themeFamily xmlns="" xmlns:thm15="http://schemas.microsoft.com/office/thememl/2012/main" name="Wisp" id="{7CB32D59-10C0-40DD-B7BD-2E94284A981C}" vid="{24B1A44C-C006-48B2-A4D7-E5549B3D8CD4}"/>
     </a:ext>
   </a:extLst>
 </a:theme>
@@ -11622,7 +11635,7 @@
   <a:extraClrSchemeLst/>
   <a:extLst>
     <a:ext uri="{05A4C25C-085E-4340-85A3-A5531E510DB2}">
-      <thm15:themeFamily xmlns:thm15="http://schemas.microsoft.com/office/thememl/2012/main" xmlns="" name="Office Theme" id="{62F939B6-93AF-4DB8-9C6B-D6C7DFDC589F}" vid="{4A3C46E8-61CC-4603-A589-7422A47A8E4A}"/>
+      <thm15:themeFamily xmlns="" xmlns:thm15="http://schemas.microsoft.com/office/thememl/2012/main" name="Office Theme" id="{62F939B6-93AF-4DB8-9C6B-D6C7DFDC589F}" vid="{4A3C46E8-61CC-4603-A589-7422A47A8E4A}"/>
     </a:ext>
   </a:extLst>
 </a:theme>
